--- a/CSC3510 S2021/Lectures/03_TestCase_design.pptx
+++ b/CSC3510 S2021/Lectures/03_TestCase_design.pptx
@@ -240,7 +240,7 @@
           <a:p>
             <a:fld id="{C8AEADBA-F76D-42CB-AAEA-5899A162C59D}" type="datetimeFigureOut">
               <a:rPr lang="en-US" smtClean="0"/>
-              <a:t>12/15/2020</a:t>
+              <a:t>1/28/2021</a:t>
             </a:fld>
             <a:endParaRPr lang="en-US"/>
           </a:p>
@@ -814,7 +814,7 @@
           <a:p>
             <a:fld id="{83777DF0-4DA5-40CD-8FA1-5F589D66E613}" type="datetimeFigureOut">
               <a:rPr lang="en-US" smtClean="0"/>
-              <a:t>12/15/2020</a:t>
+              <a:t>1/28/2021</a:t>
             </a:fld>
             <a:endParaRPr lang="en-US"/>
           </a:p>
@@ -984,7 +984,7 @@
           <a:p>
             <a:fld id="{83777DF0-4DA5-40CD-8FA1-5F589D66E613}" type="datetimeFigureOut">
               <a:rPr lang="en-US" smtClean="0"/>
-              <a:t>12/15/2020</a:t>
+              <a:t>1/28/2021</a:t>
             </a:fld>
             <a:endParaRPr lang="en-US"/>
           </a:p>
@@ -1164,7 +1164,7 @@
           <a:p>
             <a:fld id="{83777DF0-4DA5-40CD-8FA1-5F589D66E613}" type="datetimeFigureOut">
               <a:rPr lang="en-US" smtClean="0"/>
-              <a:t>12/15/2020</a:t>
+              <a:t>1/28/2021</a:t>
             </a:fld>
             <a:endParaRPr lang="en-US"/>
           </a:p>
@@ -1334,7 +1334,7 @@
           <a:p>
             <a:fld id="{83777DF0-4DA5-40CD-8FA1-5F589D66E613}" type="datetimeFigureOut">
               <a:rPr lang="en-US" smtClean="0"/>
-              <a:t>12/15/2020</a:t>
+              <a:t>1/28/2021</a:t>
             </a:fld>
             <a:endParaRPr lang="en-US"/>
           </a:p>
@@ -1580,7 +1580,7 @@
           <a:p>
             <a:fld id="{83777DF0-4DA5-40CD-8FA1-5F589D66E613}" type="datetimeFigureOut">
               <a:rPr lang="en-US" smtClean="0"/>
-              <a:t>12/15/2020</a:t>
+              <a:t>1/28/2021</a:t>
             </a:fld>
             <a:endParaRPr lang="en-US"/>
           </a:p>
@@ -1812,7 +1812,7 @@
           <a:p>
             <a:fld id="{83777DF0-4DA5-40CD-8FA1-5F589D66E613}" type="datetimeFigureOut">
               <a:rPr lang="en-US" smtClean="0"/>
-              <a:t>12/15/2020</a:t>
+              <a:t>1/28/2021</a:t>
             </a:fld>
             <a:endParaRPr lang="en-US"/>
           </a:p>
@@ -2179,7 +2179,7 @@
           <a:p>
             <a:fld id="{83777DF0-4DA5-40CD-8FA1-5F589D66E613}" type="datetimeFigureOut">
               <a:rPr lang="en-US" smtClean="0"/>
-              <a:t>12/15/2020</a:t>
+              <a:t>1/28/2021</a:t>
             </a:fld>
             <a:endParaRPr lang="en-US"/>
           </a:p>
@@ -2297,7 +2297,7 @@
           <a:p>
             <a:fld id="{83777DF0-4DA5-40CD-8FA1-5F589D66E613}" type="datetimeFigureOut">
               <a:rPr lang="en-US" smtClean="0"/>
-              <a:t>12/15/2020</a:t>
+              <a:t>1/28/2021</a:t>
             </a:fld>
             <a:endParaRPr lang="en-US"/>
           </a:p>
@@ -2392,7 +2392,7 @@
           <a:p>
             <a:fld id="{83777DF0-4DA5-40CD-8FA1-5F589D66E613}" type="datetimeFigureOut">
               <a:rPr lang="en-US" smtClean="0"/>
-              <a:t>12/15/2020</a:t>
+              <a:t>1/28/2021</a:t>
             </a:fld>
             <a:endParaRPr lang="en-US"/>
           </a:p>
@@ -2669,7 +2669,7 @@
           <a:p>
             <a:fld id="{83777DF0-4DA5-40CD-8FA1-5F589D66E613}" type="datetimeFigureOut">
               <a:rPr lang="en-US" smtClean="0"/>
-              <a:t>12/15/2020</a:t>
+              <a:t>1/28/2021</a:t>
             </a:fld>
             <a:endParaRPr lang="en-US"/>
           </a:p>
@@ -2926,7 +2926,7 @@
           <a:p>
             <a:fld id="{83777DF0-4DA5-40CD-8FA1-5F589D66E613}" type="datetimeFigureOut">
               <a:rPr lang="en-US" smtClean="0"/>
-              <a:t>12/15/2020</a:t>
+              <a:t>1/28/2021</a:t>
             </a:fld>
             <a:endParaRPr lang="en-US"/>
           </a:p>
@@ -3146,7 +3146,7 @@
           <a:p>
             <a:fld id="{83777DF0-4DA5-40CD-8FA1-5F589D66E613}" type="datetimeFigureOut">
               <a:rPr lang="en-US" smtClean="0"/>
-              <a:t>12/15/2020</a:t>
+              <a:t>1/28/2021</a:t>
             </a:fld>
             <a:endParaRPr lang="en-US"/>
           </a:p>
@@ -4079,7 +4079,27 @@
                 <a:effectLst/>
                 <a:latin typeface="Georgia" panose="02040502050405020303" pitchFamily="18" charset="0"/>
               </a:rPr>
-              <a:t>1,2,3,.................1498,1499,1500.</a:t>
+              <a:t>1,2,3</a:t>
+            </a:r>
+            <a:r>
+              <a:rPr lang="en-US" b="0" i="0" dirty="0" smtClean="0">
+                <a:solidFill>
+                  <a:srgbClr val="333333"/>
+                </a:solidFill>
+                <a:effectLst/>
+                <a:latin typeface="Georgia" panose="02040502050405020303" pitchFamily="18" charset="0"/>
+              </a:rPr>
+              <a:t>,.................1,499,500</a:t>
+            </a:r>
+            <a:r>
+              <a:rPr lang="en-US" b="0" i="0" dirty="0">
+                <a:solidFill>
+                  <a:srgbClr val="333333"/>
+                </a:solidFill>
+                <a:effectLst/>
+                <a:latin typeface="Georgia" panose="02040502050405020303" pitchFamily="18" charset="0"/>
+              </a:rPr>
+              <a:t>.</a:t>
             </a:r>
           </a:p>
           <a:p>
@@ -4256,6 +4276,10 @@
             </a:r>
           </a:p>
           <a:p>
+            <a:r>
+              <a:rPr lang="en-US" dirty="0"/>
+              <a:t/>
+            </a:r>
             <a:br>
               <a:rPr lang="en-US" dirty="0"/>
             </a:br>
@@ -7475,7 +7499,7 @@
         </p:nvSpPr>
         <p:spPr>
           <a:xfrm>
-            <a:off x="5909044" y="381575"/>
+            <a:off x="4759513" y="331633"/>
             <a:ext cx="6097772" cy="646331"/>
           </a:xfrm>
           <a:prstGeom prst="rect">
@@ -9751,7 +9775,7 @@
         </p:blipFill>
         <p:spPr>
           <a:xfrm>
-            <a:off x="4865297" y="1325668"/>
+            <a:off x="3036497" y="3008774"/>
             <a:ext cx="6567579" cy="1431314"/>
           </a:xfrm>
           <a:prstGeom prst="rect">
@@ -17285,7 +17309,7 @@
         </p:nvSpPr>
         <p:spPr>
           <a:xfrm>
-            <a:off x="7097686" y="2316747"/>
+            <a:off x="6589697" y="2021323"/>
             <a:ext cx="4424096" cy="1631216"/>
           </a:xfrm>
           <a:prstGeom prst="rect">

--- a/CSC3510 S2021/Lectures/03_TestCase_design.pptx
+++ b/CSC3510 S2021/Lectures/03_TestCase_design.pptx
@@ -5,7 +5,7 @@
     <p:sldMasterId id="2147483958" r:id="rId1"/>
   </p:sldMasterIdLst>
   <p:notesMasterIdLst>
-    <p:notesMasterId r:id="rId46"/>
+    <p:notesMasterId r:id="rId47"/>
   </p:notesMasterIdLst>
   <p:sldIdLst>
     <p:sldId id="555" r:id="rId2"/>
@@ -44,14 +44,15 @@
     <p:sldId id="650" r:id="rId35"/>
     <p:sldId id="643" r:id="rId36"/>
     <p:sldId id="644" r:id="rId37"/>
-    <p:sldId id="726" r:id="rId38"/>
-    <p:sldId id="727" r:id="rId39"/>
-    <p:sldId id="645" r:id="rId40"/>
-    <p:sldId id="728" r:id="rId41"/>
-    <p:sldId id="729" r:id="rId42"/>
-    <p:sldId id="730" r:id="rId43"/>
-    <p:sldId id="731" r:id="rId44"/>
-    <p:sldId id="646" r:id="rId45"/>
+    <p:sldId id="738" r:id="rId38"/>
+    <p:sldId id="726" r:id="rId39"/>
+    <p:sldId id="727" r:id="rId40"/>
+    <p:sldId id="645" r:id="rId41"/>
+    <p:sldId id="728" r:id="rId42"/>
+    <p:sldId id="729" r:id="rId43"/>
+    <p:sldId id="730" r:id="rId44"/>
+    <p:sldId id="731" r:id="rId45"/>
+    <p:sldId id="646" r:id="rId46"/>
   </p:sldIdLst>
   <p:sldSz cx="12192000" cy="6858000"/>
   <p:notesSz cx="6858000" cy="9144000"/>
@@ -240,7 +241,7 @@
           <a:p>
             <a:fld id="{C8AEADBA-F76D-42CB-AAEA-5899A162C59D}" type="datetimeFigureOut">
               <a:rPr lang="en-US" smtClean="0"/>
-              <a:t>1/28/2021</a:t>
+              <a:t>2/25/2021</a:t>
             </a:fld>
             <a:endParaRPr lang="en-US"/>
           </a:p>
@@ -814,7 +815,7 @@
           <a:p>
             <a:fld id="{83777DF0-4DA5-40CD-8FA1-5F589D66E613}" type="datetimeFigureOut">
               <a:rPr lang="en-US" smtClean="0"/>
-              <a:t>1/28/2021</a:t>
+              <a:t>2/25/2021</a:t>
             </a:fld>
             <a:endParaRPr lang="en-US"/>
           </a:p>
@@ -984,7 +985,7 @@
           <a:p>
             <a:fld id="{83777DF0-4DA5-40CD-8FA1-5F589D66E613}" type="datetimeFigureOut">
               <a:rPr lang="en-US" smtClean="0"/>
-              <a:t>1/28/2021</a:t>
+              <a:t>2/25/2021</a:t>
             </a:fld>
             <a:endParaRPr lang="en-US"/>
           </a:p>
@@ -1164,7 +1165,7 @@
           <a:p>
             <a:fld id="{83777DF0-4DA5-40CD-8FA1-5F589D66E613}" type="datetimeFigureOut">
               <a:rPr lang="en-US" smtClean="0"/>
-              <a:t>1/28/2021</a:t>
+              <a:t>2/25/2021</a:t>
             </a:fld>
             <a:endParaRPr lang="en-US"/>
           </a:p>
@@ -1334,7 +1335,7 @@
           <a:p>
             <a:fld id="{83777DF0-4DA5-40CD-8FA1-5F589D66E613}" type="datetimeFigureOut">
               <a:rPr lang="en-US" smtClean="0"/>
-              <a:t>1/28/2021</a:t>
+              <a:t>2/25/2021</a:t>
             </a:fld>
             <a:endParaRPr lang="en-US"/>
           </a:p>
@@ -1580,7 +1581,7 @@
           <a:p>
             <a:fld id="{83777DF0-4DA5-40CD-8FA1-5F589D66E613}" type="datetimeFigureOut">
               <a:rPr lang="en-US" smtClean="0"/>
-              <a:t>1/28/2021</a:t>
+              <a:t>2/25/2021</a:t>
             </a:fld>
             <a:endParaRPr lang="en-US"/>
           </a:p>
@@ -1812,7 +1813,7 @@
           <a:p>
             <a:fld id="{83777DF0-4DA5-40CD-8FA1-5F589D66E613}" type="datetimeFigureOut">
               <a:rPr lang="en-US" smtClean="0"/>
-              <a:t>1/28/2021</a:t>
+              <a:t>2/25/2021</a:t>
             </a:fld>
             <a:endParaRPr lang="en-US"/>
           </a:p>
@@ -2179,7 +2180,7 @@
           <a:p>
             <a:fld id="{83777DF0-4DA5-40CD-8FA1-5F589D66E613}" type="datetimeFigureOut">
               <a:rPr lang="en-US" smtClean="0"/>
-              <a:t>1/28/2021</a:t>
+              <a:t>2/25/2021</a:t>
             </a:fld>
             <a:endParaRPr lang="en-US"/>
           </a:p>
@@ -2297,7 +2298,7 @@
           <a:p>
             <a:fld id="{83777DF0-4DA5-40CD-8FA1-5F589D66E613}" type="datetimeFigureOut">
               <a:rPr lang="en-US" smtClean="0"/>
-              <a:t>1/28/2021</a:t>
+              <a:t>2/25/2021</a:t>
             </a:fld>
             <a:endParaRPr lang="en-US"/>
           </a:p>
@@ -2392,7 +2393,7 @@
           <a:p>
             <a:fld id="{83777DF0-4DA5-40CD-8FA1-5F589D66E613}" type="datetimeFigureOut">
               <a:rPr lang="en-US" smtClean="0"/>
-              <a:t>1/28/2021</a:t>
+              <a:t>2/25/2021</a:t>
             </a:fld>
             <a:endParaRPr lang="en-US"/>
           </a:p>
@@ -2669,7 +2670,7 @@
           <a:p>
             <a:fld id="{83777DF0-4DA5-40CD-8FA1-5F589D66E613}" type="datetimeFigureOut">
               <a:rPr lang="en-US" smtClean="0"/>
-              <a:t>1/28/2021</a:t>
+              <a:t>2/25/2021</a:t>
             </a:fld>
             <a:endParaRPr lang="en-US"/>
           </a:p>
@@ -2926,7 +2927,7 @@
           <a:p>
             <a:fld id="{83777DF0-4DA5-40CD-8FA1-5F589D66E613}" type="datetimeFigureOut">
               <a:rPr lang="en-US" smtClean="0"/>
-              <a:t>1/28/2021</a:t>
+              <a:t>2/25/2021</a:t>
             </a:fld>
             <a:endParaRPr lang="en-US"/>
           </a:p>
@@ -3146,7 +3147,7 @@
           <a:p>
             <a:fld id="{83777DF0-4DA5-40CD-8FA1-5F589D66E613}" type="datetimeFigureOut">
               <a:rPr lang="en-US" smtClean="0"/>
-              <a:t>1/28/2021</a:t>
+              <a:t>2/25/2021</a:t>
             </a:fld>
             <a:endParaRPr lang="en-US"/>
           </a:p>
@@ -11324,27 +11325,18 @@
       </p:grpSpPr>
       <p:sp>
         <p:nvSpPr>
-          <p:cNvPr id="7" name="TextBox 6">
-            <a:extLst>
-              <a:ext uri="{FF2B5EF4-FFF2-40B4-BE49-F238E27FC236}">
-                <a16:creationId xmlns:a16="http://schemas.microsoft.com/office/drawing/2014/main" id="{ABB9D981-101C-4FFE-B539-FA663B67A90F}"/>
-              </a:ext>
-            </a:extLst>
-          </p:cNvPr>
-          <p:cNvSpPr txBox="1"/>
+          <p:cNvPr id="4" name="Rectangle 3"/>
+          <p:cNvSpPr/>
           <p:nvPr/>
         </p:nvSpPr>
         <p:spPr>
           <a:xfrm>
-            <a:off x="442982" y="1327145"/>
-            <a:ext cx="6094520" cy="2308324"/>
+            <a:off x="257175" y="127792"/>
+            <a:ext cx="10458449" cy="2369880"/>
           </a:xfrm>
           <a:prstGeom prst="rect">
             <a:avLst/>
           </a:prstGeom>
-          <a:solidFill>
-            <a:srgbClr val="FFFF00"/>
-          </a:solidFill>
         </p:spPr>
         <p:txBody>
           <a:bodyPr wrap="square">
@@ -11353,54 +11345,91 @@
           <a:lstStyle/>
           <a:p>
             <a:r>
-              <a:rPr lang="en-US" dirty="0"/>
-              <a:t>Read 2 characters and depending on the values -&gt; print message</a:t>
-            </a:r>
-          </a:p>
-          <a:p>
-            <a:endParaRPr lang="en-US" dirty="0"/>
-          </a:p>
-          <a:p>
-            <a:r>
-              <a:rPr lang="en-US" dirty="0"/>
-              <a:t>C1 -&gt; "A" or "B"</a:t>
-            </a:r>
-          </a:p>
-          <a:p>
-            <a:r>
-              <a:rPr lang="en-US" dirty="0"/>
-              <a:t>C2 -&gt; [0-9]</a:t>
-            </a:r>
-          </a:p>
-          <a:p>
-            <a:r>
-              <a:rPr lang="en-US" dirty="0"/>
-              <a:t>C3 -&gt; If C1 and C2 true then FILE MUST BE UPDATED</a:t>
-            </a:r>
-          </a:p>
-          <a:p>
-            <a:r>
-              <a:rPr lang="en-US" dirty="0"/>
-              <a:t>C3 -&gt; If C1 is false -&gt; print XXXX</a:t>
-            </a:r>
-          </a:p>
-          <a:p>
-            <a:r>
-              <a:rPr lang="en-US" dirty="0"/>
-              <a:t>C4 -&gt; If C2 is false print YYYY</a:t>
-            </a:r>
+              <a:rPr lang="en-US" sz="2800" dirty="0">
+                <a:solidFill>
+                  <a:srgbClr val="222222"/>
+                </a:solidFill>
+                <a:latin typeface="Source Sans Pro"/>
+              </a:rPr>
+              <a:t>upload photo dialog with certain conditions like:</a:t>
+            </a:r>
+          </a:p>
+          <a:p>
+            <a:endParaRPr lang="en-US" sz="2000" dirty="0">
+              <a:solidFill>
+                <a:srgbClr val="222222"/>
+              </a:solidFill>
+              <a:latin typeface="Source Sans Pro"/>
+            </a:endParaRPr>
+          </a:p>
+          <a:p>
+            <a:pPr>
+              <a:buFont typeface="+mj-lt"/>
+              <a:buAutoNum type="arabicPeriod"/>
+            </a:pPr>
+            <a:r>
+              <a:rPr lang="en-US" sz="2000" dirty="0">
+                <a:solidFill>
+                  <a:srgbClr val="222222"/>
+                </a:solidFill>
+                <a:latin typeface="Source Sans Pro"/>
+              </a:rPr>
+              <a:t>You can upload only '.jpg' format image</a:t>
+            </a:r>
+          </a:p>
+          <a:p>
+            <a:pPr>
+              <a:buFont typeface="+mj-lt"/>
+              <a:buAutoNum type="arabicPeriod"/>
+            </a:pPr>
+            <a:r>
+              <a:rPr lang="en-US" sz="2000" dirty="0">
+                <a:solidFill>
+                  <a:srgbClr val="222222"/>
+                </a:solidFill>
+                <a:latin typeface="Source Sans Pro"/>
+              </a:rPr>
+              <a:t>file size less than 32kb</a:t>
+            </a:r>
+          </a:p>
+          <a:p>
+            <a:pPr>
+              <a:buFont typeface="+mj-lt"/>
+              <a:buAutoNum type="arabicPeriod"/>
+            </a:pPr>
+            <a:r>
+              <a:rPr lang="en-US" sz="2000" dirty="0">
+                <a:solidFill>
+                  <a:srgbClr val="222222"/>
+                </a:solidFill>
+                <a:latin typeface="Source Sans Pro"/>
+              </a:rPr>
+              <a:t>resolution 137*177.</a:t>
+            </a:r>
+          </a:p>
+          <a:p>
+            <a:r>
+              <a:rPr lang="en-US" sz="2000" dirty="0">
+                <a:solidFill>
+                  <a:srgbClr val="222222"/>
+                </a:solidFill>
+                <a:latin typeface="Source Sans Pro"/>
+              </a:rPr>
+              <a:t>If any of the conditions fails the system will throw corresponding error message stating the issue and if all conditions are met photo will be updated successfully</a:t>
+            </a:r>
+            <a:endParaRPr lang="en-US" sz="2000" b="0" i="0" dirty="0">
+              <a:solidFill>
+                <a:srgbClr val="222222"/>
+              </a:solidFill>
+              <a:effectLst/>
+              <a:latin typeface="Source Sans Pro"/>
+            </a:endParaRPr>
           </a:p>
         </p:txBody>
       </p:sp>
       <p:pic>
         <p:nvPicPr>
-          <p:cNvPr id="5" name="Picture 4">
-            <a:extLst>
-              <a:ext uri="{FF2B5EF4-FFF2-40B4-BE49-F238E27FC236}">
-                <a16:creationId xmlns:a16="http://schemas.microsoft.com/office/drawing/2014/main" id="{D8317043-69F5-499E-BF10-BA90DB56331D}"/>
-              </a:ext>
-            </a:extLst>
-          </p:cNvPr>
+          <p:cNvPr id="5" name="Picture 4"/>
           <p:cNvPicPr>
             <a:picLocks noChangeAspect="1"/>
           </p:cNvPicPr>
@@ -11414,18 +11443,2699 @@
         </p:blipFill>
         <p:spPr>
           <a:xfrm>
-            <a:off x="6257693" y="552450"/>
-            <a:ext cx="5038725" cy="5753100"/>
+            <a:off x="5486399" y="890588"/>
+            <a:ext cx="6134100" cy="619125"/>
           </a:xfrm>
           <a:prstGeom prst="rect">
             <a:avLst/>
           </a:prstGeom>
         </p:spPr>
       </p:pic>
+      <p:graphicFrame>
+        <p:nvGraphicFramePr>
+          <p:cNvPr id="6" name="Table 5"/>
+          <p:cNvGraphicFramePr>
+            <a:graphicFrameLocks noGrp="1"/>
+          </p:cNvGraphicFramePr>
+          <p:nvPr>
+            <p:extLst/>
+          </p:nvPr>
+        </p:nvGraphicFramePr>
+        <p:xfrm>
+          <a:off x="664361" y="2497673"/>
+          <a:ext cx="9365463" cy="4460340"/>
+        </p:xfrm>
+        <a:graphic>
+          <a:graphicData uri="http://schemas.openxmlformats.org/drawingml/2006/table">
+            <a:tbl>
+              <a:tblPr/>
+              <a:tblGrid>
+                <a:gridCol w="1040607">
+                  <a:extLst>
+                    <a:ext uri="{9D8B030D-6E8A-4147-A177-3AD203B41FA5}">
+                      <a16:colId xmlns:a16="http://schemas.microsoft.com/office/drawing/2014/main" val="3677068330"/>
+                    </a:ext>
+                  </a:extLst>
+                </a:gridCol>
+                <a:gridCol w="1040607">
+                  <a:extLst>
+                    <a:ext uri="{9D8B030D-6E8A-4147-A177-3AD203B41FA5}">
+                      <a16:colId xmlns:a16="http://schemas.microsoft.com/office/drawing/2014/main" val="4241695607"/>
+                    </a:ext>
+                  </a:extLst>
+                </a:gridCol>
+                <a:gridCol w="1040607">
+                  <a:extLst>
+                    <a:ext uri="{9D8B030D-6E8A-4147-A177-3AD203B41FA5}">
+                      <a16:colId xmlns:a16="http://schemas.microsoft.com/office/drawing/2014/main" val="172491772"/>
+                    </a:ext>
+                  </a:extLst>
+                </a:gridCol>
+                <a:gridCol w="1040607">
+                  <a:extLst>
+                    <a:ext uri="{9D8B030D-6E8A-4147-A177-3AD203B41FA5}">
+                      <a16:colId xmlns:a16="http://schemas.microsoft.com/office/drawing/2014/main" val="3728518689"/>
+                    </a:ext>
+                  </a:extLst>
+                </a:gridCol>
+                <a:gridCol w="1040607">
+                  <a:extLst>
+                    <a:ext uri="{9D8B030D-6E8A-4147-A177-3AD203B41FA5}">
+                      <a16:colId xmlns:a16="http://schemas.microsoft.com/office/drawing/2014/main" val="76907260"/>
+                    </a:ext>
+                  </a:extLst>
+                </a:gridCol>
+                <a:gridCol w="1040607">
+                  <a:extLst>
+                    <a:ext uri="{9D8B030D-6E8A-4147-A177-3AD203B41FA5}">
+                      <a16:colId xmlns:a16="http://schemas.microsoft.com/office/drawing/2014/main" val="3455832313"/>
+                    </a:ext>
+                  </a:extLst>
+                </a:gridCol>
+                <a:gridCol w="1040607">
+                  <a:extLst>
+                    <a:ext uri="{9D8B030D-6E8A-4147-A177-3AD203B41FA5}">
+                      <a16:colId xmlns:a16="http://schemas.microsoft.com/office/drawing/2014/main" val="3365848274"/>
+                    </a:ext>
+                  </a:extLst>
+                </a:gridCol>
+                <a:gridCol w="1040607">
+                  <a:extLst>
+                    <a:ext uri="{9D8B030D-6E8A-4147-A177-3AD203B41FA5}">
+                      <a16:colId xmlns:a16="http://schemas.microsoft.com/office/drawing/2014/main" val="2301938152"/>
+                    </a:ext>
+                  </a:extLst>
+                </a:gridCol>
+                <a:gridCol w="1040607">
+                  <a:extLst>
+                    <a:ext uri="{9D8B030D-6E8A-4147-A177-3AD203B41FA5}">
+                      <a16:colId xmlns:a16="http://schemas.microsoft.com/office/drawing/2014/main" val="90297855"/>
+                    </a:ext>
+                  </a:extLst>
+                </a:gridCol>
+              </a:tblGrid>
+              <a:tr h="585892">
+                <a:tc>
+                  <a:txBody>
+                    <a:bodyPr/>
+                    <a:lstStyle/>
+                    <a:p>
+                      <a:pPr algn="l" fontAlgn="t"/>
+                      <a:r>
+                        <a:rPr lang="en-US" sz="1100" b="1">
+                          <a:effectLst/>
+                        </a:rPr>
+                        <a:t>Conditions</a:t>
+                      </a:r>
+                      <a:endParaRPr lang="en-US" sz="1100">
+                        <a:effectLst/>
+                      </a:endParaRPr>
+                    </a:p>
+                  </a:txBody>
+                  <a:tcPr marL="36876" marR="36876" marT="36876" marB="36876">
+                    <a:lnL w="12700" cap="flat" cmpd="sng" algn="ctr">
+                      <a:solidFill>
+                        <a:srgbClr val="305295"/>
+                      </a:solidFill>
+                      <a:prstDash val="solid"/>
+                      <a:round/>
+                      <a:headEnd type="none" w="med" len="med"/>
+                      <a:tailEnd type="none" w="med" len="med"/>
+                    </a:lnL>
+                    <a:lnR w="12700" cap="flat" cmpd="sng" algn="ctr">
+                      <a:solidFill>
+                        <a:srgbClr val="305495"/>
+                      </a:solidFill>
+                      <a:prstDash val="solid"/>
+                      <a:round/>
+                      <a:headEnd type="none" w="med" len="med"/>
+                      <a:tailEnd type="none" w="med" len="med"/>
+                    </a:lnR>
+                    <a:lnT w="7620" cap="flat" cmpd="sng" algn="ctr">
+                      <a:solidFill>
+                        <a:srgbClr val="DDDDDD"/>
+                      </a:solidFill>
+                      <a:prstDash val="solid"/>
+                      <a:round/>
+                      <a:headEnd type="none" w="med" len="med"/>
+                      <a:tailEnd type="none" w="med" len="med"/>
+                    </a:lnT>
+                    <a:lnB w="7620" cap="flat" cmpd="sng" algn="ctr">
+                      <a:solidFill>
+                        <a:srgbClr val="DDDDDD"/>
+                      </a:solidFill>
+                      <a:prstDash val="solid"/>
+                      <a:round/>
+                      <a:headEnd type="none" w="med" len="med"/>
+                      <a:tailEnd type="none" w="med" len="med"/>
+                    </a:lnB>
+                    <a:solidFill>
+                      <a:srgbClr val="F9F9F9"/>
+                    </a:solidFill>
+                  </a:tcPr>
+                </a:tc>
+                <a:tc>
+                  <a:txBody>
+                    <a:bodyPr/>
+                    <a:lstStyle/>
+                    <a:p>
+                      <a:pPr algn="l" fontAlgn="t"/>
+                      <a:r>
+                        <a:rPr lang="en-US" sz="1100" b="1">
+                          <a:effectLst/>
+                        </a:rPr>
+                        <a:t>Case 1</a:t>
+                      </a:r>
+                      <a:endParaRPr lang="en-US" sz="1100">
+                        <a:effectLst/>
+                      </a:endParaRPr>
+                    </a:p>
+                  </a:txBody>
+                  <a:tcPr marL="36876" marR="36876" marT="36876" marB="36876">
+                    <a:lnL w="12700" cap="flat" cmpd="sng" algn="ctr">
+                      <a:solidFill>
+                        <a:srgbClr val="305495"/>
+                      </a:solidFill>
+                      <a:prstDash val="solid"/>
+                      <a:round/>
+                      <a:headEnd type="none" w="med" len="med"/>
+                      <a:tailEnd type="none" w="med" len="med"/>
+                    </a:lnL>
+                    <a:lnR w="12700" cap="flat" cmpd="sng" algn="ctr">
+                      <a:solidFill>
+                        <a:srgbClr val="905795"/>
+                      </a:solidFill>
+                      <a:prstDash val="solid"/>
+                      <a:round/>
+                      <a:headEnd type="none" w="med" len="med"/>
+                      <a:tailEnd type="none" w="med" len="med"/>
+                    </a:lnR>
+                    <a:lnT w="7620" cap="flat" cmpd="sng" algn="ctr">
+                      <a:solidFill>
+                        <a:srgbClr val="DDDDDD"/>
+                      </a:solidFill>
+                      <a:prstDash val="solid"/>
+                      <a:round/>
+                      <a:headEnd type="none" w="med" len="med"/>
+                      <a:tailEnd type="none" w="med" len="med"/>
+                    </a:lnT>
+                    <a:lnB w="7620" cap="flat" cmpd="sng" algn="ctr">
+                      <a:solidFill>
+                        <a:srgbClr val="DDDDDD"/>
+                      </a:solidFill>
+                      <a:prstDash val="solid"/>
+                      <a:round/>
+                      <a:headEnd type="none" w="med" len="med"/>
+                      <a:tailEnd type="none" w="med" len="med"/>
+                    </a:lnB>
+                    <a:solidFill>
+                      <a:srgbClr val="F9F9F9"/>
+                    </a:solidFill>
+                  </a:tcPr>
+                </a:tc>
+                <a:tc>
+                  <a:txBody>
+                    <a:bodyPr/>
+                    <a:lstStyle/>
+                    <a:p>
+                      <a:pPr algn="l" fontAlgn="t"/>
+                      <a:r>
+                        <a:rPr lang="en-US" sz="1100" b="1">
+                          <a:effectLst/>
+                        </a:rPr>
+                        <a:t>Case 2</a:t>
+                      </a:r>
+                      <a:endParaRPr lang="en-US" sz="1100">
+                        <a:effectLst/>
+                      </a:endParaRPr>
+                    </a:p>
+                  </a:txBody>
+                  <a:tcPr marL="36876" marR="36876" marT="36876" marB="36876">
+                    <a:lnL w="12700" cap="flat" cmpd="sng" algn="ctr">
+                      <a:solidFill>
+                        <a:srgbClr val="905795"/>
+                      </a:solidFill>
+                      <a:prstDash val="solid"/>
+                      <a:round/>
+                      <a:headEnd type="none" w="med" len="med"/>
+                      <a:tailEnd type="none" w="med" len="med"/>
+                    </a:lnL>
+                    <a:lnR w="12700" cap="flat" cmpd="sng" algn="ctr">
+                      <a:solidFill>
+                        <a:srgbClr val="B05395"/>
+                      </a:solidFill>
+                      <a:prstDash val="solid"/>
+                      <a:round/>
+                      <a:headEnd type="none" w="med" len="med"/>
+                      <a:tailEnd type="none" w="med" len="med"/>
+                    </a:lnR>
+                    <a:lnT w="7620" cap="flat" cmpd="sng" algn="ctr">
+                      <a:solidFill>
+                        <a:srgbClr val="DDDDDD"/>
+                      </a:solidFill>
+                      <a:prstDash val="solid"/>
+                      <a:round/>
+                      <a:headEnd type="none" w="med" len="med"/>
+                      <a:tailEnd type="none" w="med" len="med"/>
+                    </a:lnT>
+                    <a:lnB w="7620" cap="flat" cmpd="sng" algn="ctr">
+                      <a:solidFill>
+                        <a:srgbClr val="DDDDDD"/>
+                      </a:solidFill>
+                      <a:prstDash val="solid"/>
+                      <a:round/>
+                      <a:headEnd type="none" w="med" len="med"/>
+                      <a:tailEnd type="none" w="med" len="med"/>
+                    </a:lnB>
+                    <a:solidFill>
+                      <a:srgbClr val="F9F9F9"/>
+                    </a:solidFill>
+                  </a:tcPr>
+                </a:tc>
+                <a:tc>
+                  <a:txBody>
+                    <a:bodyPr/>
+                    <a:lstStyle/>
+                    <a:p>
+                      <a:pPr algn="l" fontAlgn="t"/>
+                      <a:r>
+                        <a:rPr lang="en-US" sz="1100" b="1">
+                          <a:effectLst/>
+                        </a:rPr>
+                        <a:t>Case 3</a:t>
+                      </a:r>
+                      <a:endParaRPr lang="en-US" sz="1100">
+                        <a:effectLst/>
+                      </a:endParaRPr>
+                    </a:p>
+                  </a:txBody>
+                  <a:tcPr marL="36876" marR="36876" marT="36876" marB="36876">
+                    <a:lnL w="12700" cap="flat" cmpd="sng" algn="ctr">
+                      <a:solidFill>
+                        <a:srgbClr val="B05395"/>
+                      </a:solidFill>
+                      <a:prstDash val="solid"/>
+                      <a:round/>
+                      <a:headEnd type="none" w="med" len="med"/>
+                      <a:tailEnd type="none" w="med" len="med"/>
+                    </a:lnL>
+                    <a:lnR w="12700" cap="flat" cmpd="sng" algn="ctr">
+                      <a:solidFill>
+                        <a:srgbClr val="305F95"/>
+                      </a:solidFill>
+                      <a:prstDash val="solid"/>
+                      <a:round/>
+                      <a:headEnd type="none" w="med" len="med"/>
+                      <a:tailEnd type="none" w="med" len="med"/>
+                    </a:lnR>
+                    <a:lnT w="7620" cap="flat" cmpd="sng" algn="ctr">
+                      <a:solidFill>
+                        <a:srgbClr val="DDDDDD"/>
+                      </a:solidFill>
+                      <a:prstDash val="solid"/>
+                      <a:round/>
+                      <a:headEnd type="none" w="med" len="med"/>
+                      <a:tailEnd type="none" w="med" len="med"/>
+                    </a:lnT>
+                    <a:lnB w="7620" cap="flat" cmpd="sng" algn="ctr">
+                      <a:solidFill>
+                        <a:srgbClr val="DDDDDD"/>
+                      </a:solidFill>
+                      <a:prstDash val="solid"/>
+                      <a:round/>
+                      <a:headEnd type="none" w="med" len="med"/>
+                      <a:tailEnd type="none" w="med" len="med"/>
+                    </a:lnB>
+                    <a:solidFill>
+                      <a:srgbClr val="F9F9F9"/>
+                    </a:solidFill>
+                  </a:tcPr>
+                </a:tc>
+                <a:tc>
+                  <a:txBody>
+                    <a:bodyPr/>
+                    <a:lstStyle/>
+                    <a:p>
+                      <a:pPr algn="l" fontAlgn="t"/>
+                      <a:r>
+                        <a:rPr lang="en-US" sz="1100" b="1">
+                          <a:effectLst/>
+                        </a:rPr>
+                        <a:t>Case 4</a:t>
+                      </a:r>
+                      <a:endParaRPr lang="en-US" sz="1100">
+                        <a:effectLst/>
+                      </a:endParaRPr>
+                    </a:p>
+                  </a:txBody>
+                  <a:tcPr marL="36876" marR="36876" marT="36876" marB="36876">
+                    <a:lnL w="12700" cap="flat" cmpd="sng" algn="ctr">
+                      <a:solidFill>
+                        <a:srgbClr val="305F95"/>
+                      </a:solidFill>
+                      <a:prstDash val="solid"/>
+                      <a:round/>
+                      <a:headEnd type="none" w="med" len="med"/>
+                      <a:tailEnd type="none" w="med" len="med"/>
+                    </a:lnL>
+                    <a:lnR w="12700" cap="flat" cmpd="sng" algn="ctr">
+                      <a:solidFill>
+                        <a:srgbClr val="905F95"/>
+                      </a:solidFill>
+                      <a:prstDash val="solid"/>
+                      <a:round/>
+                      <a:headEnd type="none" w="med" len="med"/>
+                      <a:tailEnd type="none" w="med" len="med"/>
+                    </a:lnR>
+                    <a:lnT w="7620" cap="flat" cmpd="sng" algn="ctr">
+                      <a:solidFill>
+                        <a:srgbClr val="DDDDDD"/>
+                      </a:solidFill>
+                      <a:prstDash val="solid"/>
+                      <a:round/>
+                      <a:headEnd type="none" w="med" len="med"/>
+                      <a:tailEnd type="none" w="med" len="med"/>
+                    </a:lnT>
+                    <a:lnB w="7620" cap="flat" cmpd="sng" algn="ctr">
+                      <a:solidFill>
+                        <a:srgbClr val="DDDDDD"/>
+                      </a:solidFill>
+                      <a:prstDash val="solid"/>
+                      <a:round/>
+                      <a:headEnd type="none" w="med" len="med"/>
+                      <a:tailEnd type="none" w="med" len="med"/>
+                    </a:lnB>
+                    <a:solidFill>
+                      <a:srgbClr val="F9F9F9"/>
+                    </a:solidFill>
+                  </a:tcPr>
+                </a:tc>
+                <a:tc>
+                  <a:txBody>
+                    <a:bodyPr/>
+                    <a:lstStyle/>
+                    <a:p>
+                      <a:pPr algn="l" fontAlgn="t"/>
+                      <a:r>
+                        <a:rPr lang="en-US" sz="1100" b="1">
+                          <a:effectLst/>
+                        </a:rPr>
+                        <a:t>Case 5</a:t>
+                      </a:r>
+                      <a:endParaRPr lang="en-US" sz="1100">
+                        <a:effectLst/>
+                      </a:endParaRPr>
+                    </a:p>
+                  </a:txBody>
+                  <a:tcPr marL="36876" marR="36876" marT="36876" marB="36876">
+                    <a:lnL w="12700" cap="flat" cmpd="sng" algn="ctr">
+                      <a:solidFill>
+                        <a:srgbClr val="905F95"/>
+                      </a:solidFill>
+                      <a:prstDash val="solid"/>
+                      <a:round/>
+                      <a:headEnd type="none" w="med" len="med"/>
+                      <a:tailEnd type="none" w="med" len="med"/>
+                    </a:lnL>
+                    <a:lnR w="12700" cap="flat" cmpd="sng" algn="ctr">
+                      <a:solidFill>
+                        <a:srgbClr val="905995"/>
+                      </a:solidFill>
+                      <a:prstDash val="solid"/>
+                      <a:round/>
+                      <a:headEnd type="none" w="med" len="med"/>
+                      <a:tailEnd type="none" w="med" len="med"/>
+                    </a:lnR>
+                    <a:lnT w="7620" cap="flat" cmpd="sng" algn="ctr">
+                      <a:solidFill>
+                        <a:srgbClr val="DDDDDD"/>
+                      </a:solidFill>
+                      <a:prstDash val="solid"/>
+                      <a:round/>
+                      <a:headEnd type="none" w="med" len="med"/>
+                      <a:tailEnd type="none" w="med" len="med"/>
+                    </a:lnT>
+                    <a:lnB w="7620" cap="flat" cmpd="sng" algn="ctr">
+                      <a:solidFill>
+                        <a:srgbClr val="DDDDDD"/>
+                      </a:solidFill>
+                      <a:prstDash val="solid"/>
+                      <a:round/>
+                      <a:headEnd type="none" w="med" len="med"/>
+                      <a:tailEnd type="none" w="med" len="med"/>
+                    </a:lnB>
+                    <a:solidFill>
+                      <a:srgbClr val="F9F9F9"/>
+                    </a:solidFill>
+                  </a:tcPr>
+                </a:tc>
+                <a:tc>
+                  <a:txBody>
+                    <a:bodyPr/>
+                    <a:lstStyle/>
+                    <a:p>
+                      <a:pPr algn="l" fontAlgn="t"/>
+                      <a:r>
+                        <a:rPr lang="en-US" sz="1100" b="1">
+                          <a:effectLst/>
+                        </a:rPr>
+                        <a:t>Case 6</a:t>
+                      </a:r>
+                      <a:endParaRPr lang="en-US" sz="1100">
+                        <a:effectLst/>
+                      </a:endParaRPr>
+                    </a:p>
+                  </a:txBody>
+                  <a:tcPr marL="36876" marR="36876" marT="36876" marB="36876">
+                    <a:lnL w="12700" cap="flat" cmpd="sng" algn="ctr">
+                      <a:solidFill>
+                        <a:srgbClr val="905995"/>
+                      </a:solidFill>
+                      <a:prstDash val="solid"/>
+                      <a:round/>
+                      <a:headEnd type="none" w="med" len="med"/>
+                      <a:tailEnd type="none" w="med" len="med"/>
+                    </a:lnL>
+                    <a:lnR w="12700" cap="flat" cmpd="sng" algn="ctr">
+                      <a:solidFill>
+                        <a:srgbClr val="905995"/>
+                      </a:solidFill>
+                      <a:prstDash val="solid"/>
+                      <a:round/>
+                      <a:headEnd type="none" w="med" len="med"/>
+                      <a:tailEnd type="none" w="med" len="med"/>
+                    </a:lnR>
+                    <a:lnT w="7620" cap="flat" cmpd="sng" algn="ctr">
+                      <a:solidFill>
+                        <a:srgbClr val="DDDDDD"/>
+                      </a:solidFill>
+                      <a:prstDash val="solid"/>
+                      <a:round/>
+                      <a:headEnd type="none" w="med" len="med"/>
+                      <a:tailEnd type="none" w="med" len="med"/>
+                    </a:lnT>
+                    <a:lnB w="7620" cap="flat" cmpd="sng" algn="ctr">
+                      <a:solidFill>
+                        <a:srgbClr val="DDDDDD"/>
+                      </a:solidFill>
+                      <a:prstDash val="solid"/>
+                      <a:round/>
+                      <a:headEnd type="none" w="med" len="med"/>
+                      <a:tailEnd type="none" w="med" len="med"/>
+                    </a:lnB>
+                    <a:solidFill>
+                      <a:srgbClr val="F9F9F9"/>
+                    </a:solidFill>
+                  </a:tcPr>
+                </a:tc>
+                <a:tc>
+                  <a:txBody>
+                    <a:bodyPr/>
+                    <a:lstStyle/>
+                    <a:p>
+                      <a:pPr algn="l" fontAlgn="t"/>
+                      <a:r>
+                        <a:rPr lang="en-US" sz="1100" b="1">
+                          <a:effectLst/>
+                        </a:rPr>
+                        <a:t>Case 7</a:t>
+                      </a:r>
+                      <a:endParaRPr lang="en-US" sz="1100">
+                        <a:effectLst/>
+                      </a:endParaRPr>
+                    </a:p>
+                  </a:txBody>
+                  <a:tcPr marL="36876" marR="36876" marT="36876" marB="36876">
+                    <a:lnL w="12700" cap="flat" cmpd="sng" algn="ctr">
+                      <a:solidFill>
+                        <a:srgbClr val="905995"/>
+                      </a:solidFill>
+                      <a:prstDash val="solid"/>
+                      <a:round/>
+                      <a:headEnd type="none" w="med" len="med"/>
+                      <a:tailEnd type="none" w="med" len="med"/>
+                    </a:lnL>
+                    <a:lnR w="12700" cap="flat" cmpd="sng" algn="ctr">
+                      <a:solidFill>
+                        <a:srgbClr val="F05D95"/>
+                      </a:solidFill>
+                      <a:prstDash val="solid"/>
+                      <a:round/>
+                      <a:headEnd type="none" w="med" len="med"/>
+                      <a:tailEnd type="none" w="med" len="med"/>
+                    </a:lnR>
+                    <a:lnT w="7620" cap="flat" cmpd="sng" algn="ctr">
+                      <a:solidFill>
+                        <a:srgbClr val="DDDDDD"/>
+                      </a:solidFill>
+                      <a:prstDash val="solid"/>
+                      <a:round/>
+                      <a:headEnd type="none" w="med" len="med"/>
+                      <a:tailEnd type="none" w="med" len="med"/>
+                    </a:lnT>
+                    <a:lnB w="7620" cap="flat" cmpd="sng" algn="ctr">
+                      <a:solidFill>
+                        <a:srgbClr val="DDDDDD"/>
+                      </a:solidFill>
+                      <a:prstDash val="solid"/>
+                      <a:round/>
+                      <a:headEnd type="none" w="med" len="med"/>
+                      <a:tailEnd type="none" w="med" len="med"/>
+                    </a:lnB>
+                    <a:solidFill>
+                      <a:srgbClr val="F9F9F9"/>
+                    </a:solidFill>
+                  </a:tcPr>
+                </a:tc>
+                <a:tc>
+                  <a:txBody>
+                    <a:bodyPr/>
+                    <a:lstStyle/>
+                    <a:p>
+                      <a:pPr algn="l" fontAlgn="t"/>
+                      <a:r>
+                        <a:rPr lang="en-US" sz="1100" b="1">
+                          <a:effectLst/>
+                        </a:rPr>
+                        <a:t>Case 8</a:t>
+                      </a:r>
+                      <a:endParaRPr lang="en-US" sz="1100">
+                        <a:effectLst/>
+                      </a:endParaRPr>
+                    </a:p>
+                  </a:txBody>
+                  <a:tcPr marL="36876" marR="36876" marT="36876" marB="36876">
+                    <a:lnL w="12700" cap="flat" cmpd="sng" algn="ctr">
+                      <a:solidFill>
+                        <a:srgbClr val="F05D95"/>
+                      </a:solidFill>
+                      <a:prstDash val="solid"/>
+                      <a:round/>
+                      <a:headEnd type="none" w="med" len="med"/>
+                      <a:tailEnd type="none" w="med" len="med"/>
+                    </a:lnL>
+                    <a:lnR w="12700" cap="flat" cmpd="sng" algn="ctr">
+                      <a:solidFill>
+                        <a:srgbClr val="B05C95"/>
+                      </a:solidFill>
+                      <a:prstDash val="solid"/>
+                      <a:round/>
+                      <a:headEnd type="none" w="med" len="med"/>
+                      <a:tailEnd type="none" w="med" len="med"/>
+                    </a:lnR>
+                    <a:lnT w="7620" cap="flat" cmpd="sng" algn="ctr">
+                      <a:solidFill>
+                        <a:srgbClr val="DDDDDD"/>
+                      </a:solidFill>
+                      <a:prstDash val="solid"/>
+                      <a:round/>
+                      <a:headEnd type="none" w="med" len="med"/>
+                      <a:tailEnd type="none" w="med" len="med"/>
+                    </a:lnT>
+                    <a:lnB w="7620" cap="flat" cmpd="sng" algn="ctr">
+                      <a:solidFill>
+                        <a:srgbClr val="DDDDDD"/>
+                      </a:solidFill>
+                      <a:prstDash val="solid"/>
+                      <a:round/>
+                      <a:headEnd type="none" w="med" len="med"/>
+                      <a:tailEnd type="none" w="med" len="med"/>
+                    </a:lnB>
+                    <a:solidFill>
+                      <a:srgbClr val="F9F9F9"/>
+                    </a:solidFill>
+                  </a:tcPr>
+                </a:tc>
+                <a:extLst>
+                  <a:ext uri="{0D108BD9-81ED-4DB2-BD59-A6C34878D82A}">
+                    <a16:rowId xmlns:a16="http://schemas.microsoft.com/office/drawing/2014/main" val="1507714326"/>
+                  </a:ext>
+                </a:extLst>
+              </a:tr>
+              <a:tr h="415794">
+                <a:tc>
+                  <a:txBody>
+                    <a:bodyPr/>
+                    <a:lstStyle/>
+                    <a:p>
+                      <a:pPr algn="l" fontAlgn="t"/>
+                      <a:r>
+                        <a:rPr lang="en-US" sz="1100" b="1">
+                          <a:effectLst/>
+                        </a:rPr>
+                        <a:t>Format</a:t>
+                      </a:r>
+                      <a:endParaRPr lang="en-US" sz="1100">
+                        <a:effectLst/>
+                      </a:endParaRPr>
+                    </a:p>
+                  </a:txBody>
+                  <a:tcPr marL="36876" marR="36876" marT="36876" marB="36876">
+                    <a:lnL w="12700" cap="flat" cmpd="sng" algn="ctr">
+                      <a:solidFill>
+                        <a:srgbClr val="706095"/>
+                      </a:solidFill>
+                      <a:prstDash val="solid"/>
+                      <a:round/>
+                      <a:headEnd type="none" w="med" len="med"/>
+                      <a:tailEnd type="none" w="med" len="med"/>
+                    </a:lnL>
+                    <a:lnR w="12700" cap="flat" cmpd="sng" algn="ctr">
+                      <a:solidFill>
+                        <a:srgbClr val="506595"/>
+                      </a:solidFill>
+                      <a:prstDash val="solid"/>
+                      <a:round/>
+                      <a:headEnd type="none" w="med" len="med"/>
+                      <a:tailEnd type="none" w="med" len="med"/>
+                    </a:lnR>
+                    <a:lnT w="7620" cap="flat" cmpd="sng" algn="ctr">
+                      <a:solidFill>
+                        <a:srgbClr val="DDDDDD"/>
+                      </a:solidFill>
+                      <a:prstDash val="solid"/>
+                      <a:round/>
+                      <a:headEnd type="none" w="med" len="med"/>
+                      <a:tailEnd type="none" w="med" len="med"/>
+                    </a:lnT>
+                    <a:lnB w="7620" cap="flat" cmpd="sng" algn="ctr">
+                      <a:solidFill>
+                        <a:srgbClr val="DDDDDD"/>
+                      </a:solidFill>
+                      <a:prstDash val="solid"/>
+                      <a:round/>
+                      <a:headEnd type="none" w="med" len="med"/>
+                      <a:tailEnd type="none" w="med" len="med"/>
+                    </a:lnB>
+                    <a:solidFill>
+                      <a:srgbClr val="FFFFFF"/>
+                    </a:solidFill>
+                  </a:tcPr>
+                </a:tc>
+                <a:tc>
+                  <a:txBody>
+                    <a:bodyPr/>
+                    <a:lstStyle/>
+                    <a:p>
+                      <a:pPr algn="l" fontAlgn="t"/>
+                      <a:r>
+                        <a:rPr lang="en-US" sz="1100">
+                          <a:effectLst/>
+                        </a:rPr>
+                        <a:t>.jpg</a:t>
+                      </a:r>
+                    </a:p>
+                  </a:txBody>
+                  <a:tcPr marL="36876" marR="36876" marT="36876" marB="36876">
+                    <a:lnL w="12700" cap="flat" cmpd="sng" algn="ctr">
+                      <a:solidFill>
+                        <a:srgbClr val="506595"/>
+                      </a:solidFill>
+                      <a:prstDash val="solid"/>
+                      <a:round/>
+                      <a:headEnd type="none" w="med" len="med"/>
+                      <a:tailEnd type="none" w="med" len="med"/>
+                    </a:lnL>
+                    <a:lnR w="12700" cap="flat" cmpd="sng" algn="ctr">
+                      <a:solidFill>
+                        <a:srgbClr val="D06395"/>
+                      </a:solidFill>
+                      <a:prstDash val="solid"/>
+                      <a:round/>
+                      <a:headEnd type="none" w="med" len="med"/>
+                      <a:tailEnd type="none" w="med" len="med"/>
+                    </a:lnR>
+                    <a:lnT w="7620" cap="flat" cmpd="sng" algn="ctr">
+                      <a:solidFill>
+                        <a:srgbClr val="DDDDDD"/>
+                      </a:solidFill>
+                      <a:prstDash val="solid"/>
+                      <a:round/>
+                      <a:headEnd type="none" w="med" len="med"/>
+                      <a:tailEnd type="none" w="med" len="med"/>
+                    </a:lnT>
+                    <a:lnB w="7620" cap="flat" cmpd="sng" algn="ctr">
+                      <a:solidFill>
+                        <a:srgbClr val="DDDDDD"/>
+                      </a:solidFill>
+                      <a:prstDash val="solid"/>
+                      <a:round/>
+                      <a:headEnd type="none" w="med" len="med"/>
+                      <a:tailEnd type="none" w="med" len="med"/>
+                    </a:lnB>
+                    <a:solidFill>
+                      <a:srgbClr val="FFFFFF"/>
+                    </a:solidFill>
+                  </a:tcPr>
+                </a:tc>
+                <a:tc>
+                  <a:txBody>
+                    <a:bodyPr/>
+                    <a:lstStyle/>
+                    <a:p>
+                      <a:pPr algn="l" fontAlgn="t"/>
+                      <a:r>
+                        <a:rPr lang="en-US" sz="1100">
+                          <a:effectLst/>
+                        </a:rPr>
+                        <a:t>.jpg</a:t>
+                      </a:r>
+                    </a:p>
+                  </a:txBody>
+                  <a:tcPr marL="36876" marR="36876" marT="36876" marB="36876">
+                    <a:lnL w="12700" cap="flat" cmpd="sng" algn="ctr">
+                      <a:solidFill>
+                        <a:srgbClr val="D06395"/>
+                      </a:solidFill>
+                      <a:prstDash val="solid"/>
+                      <a:round/>
+                      <a:headEnd type="none" w="med" len="med"/>
+                      <a:tailEnd type="none" w="med" len="med"/>
+                    </a:lnL>
+                    <a:lnR w="12700" cap="flat" cmpd="sng" algn="ctr">
+                      <a:solidFill>
+                        <a:srgbClr val="D06395"/>
+                      </a:solidFill>
+                      <a:prstDash val="solid"/>
+                      <a:round/>
+                      <a:headEnd type="none" w="med" len="med"/>
+                      <a:tailEnd type="none" w="med" len="med"/>
+                    </a:lnR>
+                    <a:lnT w="7620" cap="flat" cmpd="sng" algn="ctr">
+                      <a:solidFill>
+                        <a:srgbClr val="DDDDDD"/>
+                      </a:solidFill>
+                      <a:prstDash val="solid"/>
+                      <a:round/>
+                      <a:headEnd type="none" w="med" len="med"/>
+                      <a:tailEnd type="none" w="med" len="med"/>
+                    </a:lnT>
+                    <a:lnB w="7620" cap="flat" cmpd="sng" algn="ctr">
+                      <a:solidFill>
+                        <a:srgbClr val="DDDDDD"/>
+                      </a:solidFill>
+                      <a:prstDash val="solid"/>
+                      <a:round/>
+                      <a:headEnd type="none" w="med" len="med"/>
+                      <a:tailEnd type="none" w="med" len="med"/>
+                    </a:lnB>
+                    <a:solidFill>
+                      <a:srgbClr val="FFFFFF"/>
+                    </a:solidFill>
+                  </a:tcPr>
+                </a:tc>
+                <a:tc>
+                  <a:txBody>
+                    <a:bodyPr/>
+                    <a:lstStyle/>
+                    <a:p>
+                      <a:pPr algn="l" fontAlgn="t"/>
+                      <a:r>
+                        <a:rPr lang="en-US" sz="1100">
+                          <a:effectLst/>
+                        </a:rPr>
+                        <a:t>.jpg</a:t>
+                      </a:r>
+                    </a:p>
+                  </a:txBody>
+                  <a:tcPr marL="36876" marR="36876" marT="36876" marB="36876">
+                    <a:lnL w="12700" cap="flat" cmpd="sng" algn="ctr">
+                      <a:solidFill>
+                        <a:srgbClr val="D06395"/>
+                      </a:solidFill>
+                      <a:prstDash val="solid"/>
+                      <a:round/>
+                      <a:headEnd type="none" w="med" len="med"/>
+                      <a:tailEnd type="none" w="med" len="med"/>
+                    </a:lnL>
+                    <a:lnR w="12700" cap="flat" cmpd="sng" algn="ctr">
+                      <a:solidFill>
+                        <a:srgbClr val="506795"/>
+                      </a:solidFill>
+                      <a:prstDash val="solid"/>
+                      <a:round/>
+                      <a:headEnd type="none" w="med" len="med"/>
+                      <a:tailEnd type="none" w="med" len="med"/>
+                    </a:lnR>
+                    <a:lnT w="7620" cap="flat" cmpd="sng" algn="ctr">
+                      <a:solidFill>
+                        <a:srgbClr val="DDDDDD"/>
+                      </a:solidFill>
+                      <a:prstDash val="solid"/>
+                      <a:round/>
+                      <a:headEnd type="none" w="med" len="med"/>
+                      <a:tailEnd type="none" w="med" len="med"/>
+                    </a:lnT>
+                    <a:lnB w="7620" cap="flat" cmpd="sng" algn="ctr">
+                      <a:solidFill>
+                        <a:srgbClr val="DDDDDD"/>
+                      </a:solidFill>
+                      <a:prstDash val="solid"/>
+                      <a:round/>
+                      <a:headEnd type="none" w="med" len="med"/>
+                      <a:tailEnd type="none" w="med" len="med"/>
+                    </a:lnB>
+                    <a:solidFill>
+                      <a:srgbClr val="FFFFFF"/>
+                    </a:solidFill>
+                  </a:tcPr>
+                </a:tc>
+                <a:tc>
+                  <a:txBody>
+                    <a:bodyPr/>
+                    <a:lstStyle/>
+                    <a:p>
+                      <a:pPr algn="l" fontAlgn="t"/>
+                      <a:r>
+                        <a:rPr lang="en-US" sz="1100">
+                          <a:effectLst/>
+                        </a:rPr>
+                        <a:t>.jpg</a:t>
+                      </a:r>
+                    </a:p>
+                  </a:txBody>
+                  <a:tcPr marL="36876" marR="36876" marT="36876" marB="36876">
+                    <a:lnL w="12700" cap="flat" cmpd="sng" algn="ctr">
+                      <a:solidFill>
+                        <a:srgbClr val="506795"/>
+                      </a:solidFill>
+                      <a:prstDash val="solid"/>
+                      <a:round/>
+                      <a:headEnd type="none" w="med" len="med"/>
+                      <a:tailEnd type="none" w="med" len="med"/>
+                    </a:lnL>
+                    <a:lnR w="12700" cap="flat" cmpd="sng" algn="ctr">
+                      <a:solidFill>
+                        <a:srgbClr val="306C95"/>
+                      </a:solidFill>
+                      <a:prstDash val="solid"/>
+                      <a:round/>
+                      <a:headEnd type="none" w="med" len="med"/>
+                      <a:tailEnd type="none" w="med" len="med"/>
+                    </a:lnR>
+                    <a:lnT w="7620" cap="flat" cmpd="sng" algn="ctr">
+                      <a:solidFill>
+                        <a:srgbClr val="DDDDDD"/>
+                      </a:solidFill>
+                      <a:prstDash val="solid"/>
+                      <a:round/>
+                      <a:headEnd type="none" w="med" len="med"/>
+                      <a:tailEnd type="none" w="med" len="med"/>
+                    </a:lnT>
+                    <a:lnB w="7620" cap="flat" cmpd="sng" algn="ctr">
+                      <a:solidFill>
+                        <a:srgbClr val="DDDDDD"/>
+                      </a:solidFill>
+                      <a:prstDash val="solid"/>
+                      <a:round/>
+                      <a:headEnd type="none" w="med" len="med"/>
+                      <a:tailEnd type="none" w="med" len="med"/>
+                    </a:lnB>
+                    <a:solidFill>
+                      <a:srgbClr val="FFFFFF"/>
+                    </a:solidFill>
+                  </a:tcPr>
+                </a:tc>
+                <a:tc>
+                  <a:txBody>
+                    <a:bodyPr/>
+                    <a:lstStyle/>
+                    <a:p>
+                      <a:pPr algn="l" fontAlgn="t"/>
+                      <a:r>
+                        <a:rPr lang="en-US" sz="1100">
+                          <a:effectLst/>
+                        </a:rPr>
+                        <a:t>Not .jpg</a:t>
+                      </a:r>
+                    </a:p>
+                  </a:txBody>
+                  <a:tcPr marL="36876" marR="36876" marT="36876" marB="36876">
+                    <a:lnL w="12700" cap="flat" cmpd="sng" algn="ctr">
+                      <a:solidFill>
+                        <a:srgbClr val="306C95"/>
+                      </a:solidFill>
+                      <a:prstDash val="solid"/>
+                      <a:round/>
+                      <a:headEnd type="none" w="med" len="med"/>
+                      <a:tailEnd type="none" w="med" len="med"/>
+                    </a:lnL>
+                    <a:lnR w="12700" cap="flat" cmpd="sng" algn="ctr">
+                      <a:solidFill>
+                        <a:srgbClr val="106D95"/>
+                      </a:solidFill>
+                      <a:prstDash val="solid"/>
+                      <a:round/>
+                      <a:headEnd type="none" w="med" len="med"/>
+                      <a:tailEnd type="none" w="med" len="med"/>
+                    </a:lnR>
+                    <a:lnT w="7620" cap="flat" cmpd="sng" algn="ctr">
+                      <a:solidFill>
+                        <a:srgbClr val="DDDDDD"/>
+                      </a:solidFill>
+                      <a:prstDash val="solid"/>
+                      <a:round/>
+                      <a:headEnd type="none" w="med" len="med"/>
+                      <a:tailEnd type="none" w="med" len="med"/>
+                    </a:lnT>
+                    <a:lnB w="7620" cap="flat" cmpd="sng" algn="ctr">
+                      <a:solidFill>
+                        <a:srgbClr val="DDDDDD"/>
+                      </a:solidFill>
+                      <a:prstDash val="solid"/>
+                      <a:round/>
+                      <a:headEnd type="none" w="med" len="med"/>
+                      <a:tailEnd type="none" w="med" len="med"/>
+                    </a:lnB>
+                    <a:solidFill>
+                      <a:srgbClr val="FFFFFF"/>
+                    </a:solidFill>
+                  </a:tcPr>
+                </a:tc>
+                <a:tc>
+                  <a:txBody>
+                    <a:bodyPr/>
+                    <a:lstStyle/>
+                    <a:p>
+                      <a:pPr algn="l" fontAlgn="t"/>
+                      <a:r>
+                        <a:rPr lang="en-US" sz="1100">
+                          <a:effectLst/>
+                        </a:rPr>
+                        <a:t>Not .jpg</a:t>
+                      </a:r>
+                    </a:p>
+                  </a:txBody>
+                  <a:tcPr marL="36876" marR="36876" marT="36876" marB="36876">
+                    <a:lnL w="12700" cap="flat" cmpd="sng" algn="ctr">
+                      <a:solidFill>
+                        <a:srgbClr val="106D95"/>
+                      </a:solidFill>
+                      <a:prstDash val="solid"/>
+                      <a:round/>
+                      <a:headEnd type="none" w="med" len="med"/>
+                      <a:tailEnd type="none" w="med" len="med"/>
+                    </a:lnL>
+                    <a:lnR w="12700" cap="flat" cmpd="sng" algn="ctr">
+                      <a:solidFill>
+                        <a:srgbClr val="306E95"/>
+                      </a:solidFill>
+                      <a:prstDash val="solid"/>
+                      <a:round/>
+                      <a:headEnd type="none" w="med" len="med"/>
+                      <a:tailEnd type="none" w="med" len="med"/>
+                    </a:lnR>
+                    <a:lnT w="7620" cap="flat" cmpd="sng" algn="ctr">
+                      <a:solidFill>
+                        <a:srgbClr val="DDDDDD"/>
+                      </a:solidFill>
+                      <a:prstDash val="solid"/>
+                      <a:round/>
+                      <a:headEnd type="none" w="med" len="med"/>
+                      <a:tailEnd type="none" w="med" len="med"/>
+                    </a:lnT>
+                    <a:lnB w="7620" cap="flat" cmpd="sng" algn="ctr">
+                      <a:solidFill>
+                        <a:srgbClr val="DDDDDD"/>
+                      </a:solidFill>
+                      <a:prstDash val="solid"/>
+                      <a:round/>
+                      <a:headEnd type="none" w="med" len="med"/>
+                      <a:tailEnd type="none" w="med" len="med"/>
+                    </a:lnB>
+                    <a:solidFill>
+                      <a:srgbClr val="FFFFFF"/>
+                    </a:solidFill>
+                  </a:tcPr>
+                </a:tc>
+                <a:tc>
+                  <a:txBody>
+                    <a:bodyPr/>
+                    <a:lstStyle/>
+                    <a:p>
+                      <a:pPr algn="l" fontAlgn="t"/>
+                      <a:r>
+                        <a:rPr lang="en-US" sz="1100">
+                          <a:effectLst/>
+                        </a:rPr>
+                        <a:t>Not .jpg</a:t>
+                      </a:r>
+                    </a:p>
+                  </a:txBody>
+                  <a:tcPr marL="36876" marR="36876" marT="36876" marB="36876">
+                    <a:lnL w="12700" cap="flat" cmpd="sng" algn="ctr">
+                      <a:solidFill>
+                        <a:srgbClr val="306E95"/>
+                      </a:solidFill>
+                      <a:prstDash val="solid"/>
+                      <a:round/>
+                      <a:headEnd type="none" w="med" len="med"/>
+                      <a:tailEnd type="none" w="med" len="med"/>
+                    </a:lnL>
+                    <a:lnR w="12700" cap="flat" cmpd="sng" algn="ctr">
+                      <a:solidFill>
+                        <a:srgbClr val="506B95"/>
+                      </a:solidFill>
+                      <a:prstDash val="solid"/>
+                      <a:round/>
+                      <a:headEnd type="none" w="med" len="med"/>
+                      <a:tailEnd type="none" w="med" len="med"/>
+                    </a:lnR>
+                    <a:lnT w="7620" cap="flat" cmpd="sng" algn="ctr">
+                      <a:solidFill>
+                        <a:srgbClr val="DDDDDD"/>
+                      </a:solidFill>
+                      <a:prstDash val="solid"/>
+                      <a:round/>
+                      <a:headEnd type="none" w="med" len="med"/>
+                      <a:tailEnd type="none" w="med" len="med"/>
+                    </a:lnT>
+                    <a:lnB w="7620" cap="flat" cmpd="sng" algn="ctr">
+                      <a:solidFill>
+                        <a:srgbClr val="DDDDDD"/>
+                      </a:solidFill>
+                      <a:prstDash val="solid"/>
+                      <a:round/>
+                      <a:headEnd type="none" w="med" len="med"/>
+                      <a:tailEnd type="none" w="med" len="med"/>
+                    </a:lnB>
+                    <a:solidFill>
+                      <a:srgbClr val="FFFFFF"/>
+                    </a:solidFill>
+                  </a:tcPr>
+                </a:tc>
+                <a:tc>
+                  <a:txBody>
+                    <a:bodyPr/>
+                    <a:lstStyle/>
+                    <a:p>
+                      <a:pPr algn="l" fontAlgn="t"/>
+                      <a:r>
+                        <a:rPr lang="en-US" sz="1100">
+                          <a:effectLst/>
+                        </a:rPr>
+                        <a:t>Not .jpg</a:t>
+                      </a:r>
+                    </a:p>
+                  </a:txBody>
+                  <a:tcPr marL="36876" marR="36876" marT="36876" marB="36876">
+                    <a:lnL w="12700" cap="flat" cmpd="sng" algn="ctr">
+                      <a:solidFill>
+                        <a:srgbClr val="506B95"/>
+                      </a:solidFill>
+                      <a:prstDash val="solid"/>
+                      <a:round/>
+                      <a:headEnd type="none" w="med" len="med"/>
+                      <a:tailEnd type="none" w="med" len="med"/>
+                    </a:lnL>
+                    <a:lnR w="12700" cap="flat" cmpd="sng" algn="ctr">
+                      <a:solidFill>
+                        <a:srgbClr val="F06B95"/>
+                      </a:solidFill>
+                      <a:prstDash val="solid"/>
+                      <a:round/>
+                      <a:headEnd type="none" w="med" len="med"/>
+                      <a:tailEnd type="none" w="med" len="med"/>
+                    </a:lnR>
+                    <a:lnT w="7620" cap="flat" cmpd="sng" algn="ctr">
+                      <a:solidFill>
+                        <a:srgbClr val="DDDDDD"/>
+                      </a:solidFill>
+                      <a:prstDash val="solid"/>
+                      <a:round/>
+                      <a:headEnd type="none" w="med" len="med"/>
+                      <a:tailEnd type="none" w="med" len="med"/>
+                    </a:lnT>
+                    <a:lnB w="7620" cap="flat" cmpd="sng" algn="ctr">
+                      <a:solidFill>
+                        <a:srgbClr val="DDDDDD"/>
+                      </a:solidFill>
+                      <a:prstDash val="solid"/>
+                      <a:round/>
+                      <a:headEnd type="none" w="med" len="med"/>
+                      <a:tailEnd type="none" w="med" len="med"/>
+                    </a:lnB>
+                    <a:solidFill>
+                      <a:srgbClr val="FFFFFF"/>
+                    </a:solidFill>
+                  </a:tcPr>
+                </a:tc>
+                <a:extLst>
+                  <a:ext uri="{0D108BD9-81ED-4DB2-BD59-A6C34878D82A}">
+                    <a16:rowId xmlns:a16="http://schemas.microsoft.com/office/drawing/2014/main" val="3373015385"/>
+                  </a:ext>
+                </a:extLst>
+              </a:tr>
+              <a:tr h="585892">
+                <a:tc>
+                  <a:txBody>
+                    <a:bodyPr/>
+                    <a:lstStyle/>
+                    <a:p>
+                      <a:pPr algn="l" fontAlgn="t"/>
+                      <a:r>
+                        <a:rPr lang="en-US" sz="1100" b="1">
+                          <a:effectLst/>
+                        </a:rPr>
+                        <a:t>Size</a:t>
+                      </a:r>
+                      <a:endParaRPr lang="en-US" sz="1100">
+                        <a:effectLst/>
+                      </a:endParaRPr>
+                    </a:p>
+                  </a:txBody>
+                  <a:tcPr marL="36876" marR="36876" marT="36876" marB="36876">
+                    <a:lnL w="12700" cap="flat" cmpd="sng" algn="ctr">
+                      <a:solidFill>
+                        <a:srgbClr val="D06B95"/>
+                      </a:solidFill>
+                      <a:prstDash val="solid"/>
+                      <a:round/>
+                      <a:headEnd type="none" w="med" len="med"/>
+                      <a:tailEnd type="none" w="med" len="med"/>
+                    </a:lnL>
+                    <a:lnR w="12700" cap="flat" cmpd="sng" algn="ctr">
+                      <a:solidFill>
+                        <a:srgbClr val="D06D95"/>
+                      </a:solidFill>
+                      <a:prstDash val="solid"/>
+                      <a:round/>
+                      <a:headEnd type="none" w="med" len="med"/>
+                      <a:tailEnd type="none" w="med" len="med"/>
+                    </a:lnR>
+                    <a:lnT w="7620" cap="flat" cmpd="sng" algn="ctr">
+                      <a:solidFill>
+                        <a:srgbClr val="DDDDDD"/>
+                      </a:solidFill>
+                      <a:prstDash val="solid"/>
+                      <a:round/>
+                      <a:headEnd type="none" w="med" len="med"/>
+                      <a:tailEnd type="none" w="med" len="med"/>
+                    </a:lnT>
+                    <a:lnB w="7620" cap="flat" cmpd="sng" algn="ctr">
+                      <a:solidFill>
+                        <a:srgbClr val="DDDDDD"/>
+                      </a:solidFill>
+                      <a:prstDash val="solid"/>
+                      <a:round/>
+                      <a:headEnd type="none" w="med" len="med"/>
+                      <a:tailEnd type="none" w="med" len="med"/>
+                    </a:lnB>
+                    <a:solidFill>
+                      <a:srgbClr val="F9F9F9"/>
+                    </a:solidFill>
+                  </a:tcPr>
+                </a:tc>
+                <a:tc>
+                  <a:txBody>
+                    <a:bodyPr/>
+                    <a:lstStyle/>
+                    <a:p>
+                      <a:pPr algn="l" fontAlgn="t"/>
+                      <a:r>
+                        <a:rPr lang="en-US" sz="1100">
+                          <a:effectLst/>
+                        </a:rPr>
+                        <a:t>Less than 32kb</a:t>
+                      </a:r>
+                    </a:p>
+                  </a:txBody>
+                  <a:tcPr marL="36876" marR="36876" marT="36876" marB="36876">
+                    <a:lnL w="12700" cap="flat" cmpd="sng" algn="ctr">
+                      <a:solidFill>
+                        <a:srgbClr val="D06D95"/>
+                      </a:solidFill>
+                      <a:prstDash val="solid"/>
+                      <a:round/>
+                      <a:headEnd type="none" w="med" len="med"/>
+                      <a:tailEnd type="none" w="med" len="med"/>
+                    </a:lnL>
+                    <a:lnR w="12700" cap="flat" cmpd="sng" algn="ctr">
+                      <a:solidFill>
+                        <a:srgbClr val="906C95"/>
+                      </a:solidFill>
+                      <a:prstDash val="solid"/>
+                      <a:round/>
+                      <a:headEnd type="none" w="med" len="med"/>
+                      <a:tailEnd type="none" w="med" len="med"/>
+                    </a:lnR>
+                    <a:lnT w="7620" cap="flat" cmpd="sng" algn="ctr">
+                      <a:solidFill>
+                        <a:srgbClr val="DDDDDD"/>
+                      </a:solidFill>
+                      <a:prstDash val="solid"/>
+                      <a:round/>
+                      <a:headEnd type="none" w="med" len="med"/>
+                      <a:tailEnd type="none" w="med" len="med"/>
+                    </a:lnT>
+                    <a:lnB w="7620" cap="flat" cmpd="sng" algn="ctr">
+                      <a:solidFill>
+                        <a:srgbClr val="DDDDDD"/>
+                      </a:solidFill>
+                      <a:prstDash val="solid"/>
+                      <a:round/>
+                      <a:headEnd type="none" w="med" len="med"/>
+                      <a:tailEnd type="none" w="med" len="med"/>
+                    </a:lnB>
+                    <a:solidFill>
+                      <a:srgbClr val="F9F9F9"/>
+                    </a:solidFill>
+                  </a:tcPr>
+                </a:tc>
+                <a:tc>
+                  <a:txBody>
+                    <a:bodyPr/>
+                    <a:lstStyle/>
+                    <a:p>
+                      <a:pPr algn="l" fontAlgn="t"/>
+                      <a:r>
+                        <a:rPr lang="en-US" sz="1100">
+                          <a:effectLst/>
+                        </a:rPr>
+                        <a:t>Less than 32kb</a:t>
+                      </a:r>
+                    </a:p>
+                  </a:txBody>
+                  <a:tcPr marL="36876" marR="36876" marT="36876" marB="36876">
+                    <a:lnL w="12700" cap="flat" cmpd="sng" algn="ctr">
+                      <a:solidFill>
+                        <a:srgbClr val="906C95"/>
+                      </a:solidFill>
+                      <a:prstDash val="solid"/>
+                      <a:round/>
+                      <a:headEnd type="none" w="med" len="med"/>
+                      <a:tailEnd type="none" w="med" len="med"/>
+                    </a:lnL>
+                    <a:lnR w="12700" cap="flat" cmpd="sng" algn="ctr">
+                      <a:solidFill>
+                        <a:srgbClr val="906995"/>
+                      </a:solidFill>
+                      <a:prstDash val="solid"/>
+                      <a:round/>
+                      <a:headEnd type="none" w="med" len="med"/>
+                      <a:tailEnd type="none" w="med" len="med"/>
+                    </a:lnR>
+                    <a:lnT w="7620" cap="flat" cmpd="sng" algn="ctr">
+                      <a:solidFill>
+                        <a:srgbClr val="DDDDDD"/>
+                      </a:solidFill>
+                      <a:prstDash val="solid"/>
+                      <a:round/>
+                      <a:headEnd type="none" w="med" len="med"/>
+                      <a:tailEnd type="none" w="med" len="med"/>
+                    </a:lnT>
+                    <a:lnB w="7620" cap="flat" cmpd="sng" algn="ctr">
+                      <a:solidFill>
+                        <a:srgbClr val="DDDDDD"/>
+                      </a:solidFill>
+                      <a:prstDash val="solid"/>
+                      <a:round/>
+                      <a:headEnd type="none" w="med" len="med"/>
+                      <a:tailEnd type="none" w="med" len="med"/>
+                    </a:lnB>
+                    <a:solidFill>
+                      <a:srgbClr val="F9F9F9"/>
+                    </a:solidFill>
+                  </a:tcPr>
+                </a:tc>
+                <a:tc>
+                  <a:txBody>
+                    <a:bodyPr/>
+                    <a:lstStyle/>
+                    <a:p>
+                      <a:pPr algn="l" fontAlgn="t"/>
+                      <a:r>
+                        <a:rPr lang="en-US" sz="1100">
+                          <a:effectLst/>
+                        </a:rPr>
+                        <a:t>&gt;= 32kb</a:t>
+                      </a:r>
+                    </a:p>
+                  </a:txBody>
+                  <a:tcPr marL="36876" marR="36876" marT="36876" marB="36876">
+                    <a:lnL w="12700" cap="flat" cmpd="sng" algn="ctr">
+                      <a:solidFill>
+                        <a:srgbClr val="906995"/>
+                      </a:solidFill>
+                      <a:prstDash val="solid"/>
+                      <a:round/>
+                      <a:headEnd type="none" w="med" len="med"/>
+                      <a:tailEnd type="none" w="med" len="med"/>
+                    </a:lnL>
+                    <a:lnR w="12700" cap="flat" cmpd="sng" algn="ctr">
+                      <a:solidFill>
+                        <a:srgbClr val="B06F95"/>
+                      </a:solidFill>
+                      <a:prstDash val="solid"/>
+                      <a:round/>
+                      <a:headEnd type="none" w="med" len="med"/>
+                      <a:tailEnd type="none" w="med" len="med"/>
+                    </a:lnR>
+                    <a:lnT w="7620" cap="flat" cmpd="sng" algn="ctr">
+                      <a:solidFill>
+                        <a:srgbClr val="DDDDDD"/>
+                      </a:solidFill>
+                      <a:prstDash val="solid"/>
+                      <a:round/>
+                      <a:headEnd type="none" w="med" len="med"/>
+                      <a:tailEnd type="none" w="med" len="med"/>
+                    </a:lnT>
+                    <a:lnB w="7620" cap="flat" cmpd="sng" algn="ctr">
+                      <a:solidFill>
+                        <a:srgbClr val="DDDDDD"/>
+                      </a:solidFill>
+                      <a:prstDash val="solid"/>
+                      <a:round/>
+                      <a:headEnd type="none" w="med" len="med"/>
+                      <a:tailEnd type="none" w="med" len="med"/>
+                    </a:lnB>
+                    <a:solidFill>
+                      <a:srgbClr val="F9F9F9"/>
+                    </a:solidFill>
+                  </a:tcPr>
+                </a:tc>
+                <a:tc>
+                  <a:txBody>
+                    <a:bodyPr/>
+                    <a:lstStyle/>
+                    <a:p>
+                      <a:pPr algn="l" fontAlgn="t"/>
+                      <a:r>
+                        <a:rPr lang="en-US" sz="1100">
+                          <a:effectLst/>
+                        </a:rPr>
+                        <a:t>&gt;= 32kb</a:t>
+                      </a:r>
+                    </a:p>
+                  </a:txBody>
+                  <a:tcPr marL="36876" marR="36876" marT="36876" marB="36876">
+                    <a:lnL w="12700" cap="flat" cmpd="sng" algn="ctr">
+                      <a:solidFill>
+                        <a:srgbClr val="B06F95"/>
+                      </a:solidFill>
+                      <a:prstDash val="solid"/>
+                      <a:round/>
+                      <a:headEnd type="none" w="med" len="med"/>
+                      <a:tailEnd type="none" w="med" len="med"/>
+                    </a:lnL>
+                    <a:lnR w="12700" cap="flat" cmpd="sng" algn="ctr">
+                      <a:solidFill>
+                        <a:srgbClr val="906995"/>
+                      </a:solidFill>
+                      <a:prstDash val="solid"/>
+                      <a:round/>
+                      <a:headEnd type="none" w="med" len="med"/>
+                      <a:tailEnd type="none" w="med" len="med"/>
+                    </a:lnR>
+                    <a:lnT w="7620" cap="flat" cmpd="sng" algn="ctr">
+                      <a:solidFill>
+                        <a:srgbClr val="DDDDDD"/>
+                      </a:solidFill>
+                      <a:prstDash val="solid"/>
+                      <a:round/>
+                      <a:headEnd type="none" w="med" len="med"/>
+                      <a:tailEnd type="none" w="med" len="med"/>
+                    </a:lnT>
+                    <a:lnB w="7620" cap="flat" cmpd="sng" algn="ctr">
+                      <a:solidFill>
+                        <a:srgbClr val="DDDDDD"/>
+                      </a:solidFill>
+                      <a:prstDash val="solid"/>
+                      <a:round/>
+                      <a:headEnd type="none" w="med" len="med"/>
+                      <a:tailEnd type="none" w="med" len="med"/>
+                    </a:lnB>
+                    <a:solidFill>
+                      <a:srgbClr val="F9F9F9"/>
+                    </a:solidFill>
+                  </a:tcPr>
+                </a:tc>
+                <a:tc>
+                  <a:txBody>
+                    <a:bodyPr/>
+                    <a:lstStyle/>
+                    <a:p>
+                      <a:pPr algn="l" fontAlgn="t"/>
+                      <a:r>
+                        <a:rPr lang="en-US" sz="1100">
+                          <a:effectLst/>
+                        </a:rPr>
+                        <a:t>Less than 32kb</a:t>
+                      </a:r>
+                    </a:p>
+                  </a:txBody>
+                  <a:tcPr marL="36876" marR="36876" marT="36876" marB="36876">
+                    <a:lnL w="12700" cap="flat" cmpd="sng" algn="ctr">
+                      <a:solidFill>
+                        <a:srgbClr val="906995"/>
+                      </a:solidFill>
+                      <a:prstDash val="solid"/>
+                      <a:round/>
+                      <a:headEnd type="none" w="med" len="med"/>
+                      <a:tailEnd type="none" w="med" len="med"/>
+                    </a:lnL>
+                    <a:lnR w="12700" cap="flat" cmpd="sng" algn="ctr">
+                      <a:solidFill>
+                        <a:srgbClr val="106A95"/>
+                      </a:solidFill>
+                      <a:prstDash val="solid"/>
+                      <a:round/>
+                      <a:headEnd type="none" w="med" len="med"/>
+                      <a:tailEnd type="none" w="med" len="med"/>
+                    </a:lnR>
+                    <a:lnT w="7620" cap="flat" cmpd="sng" algn="ctr">
+                      <a:solidFill>
+                        <a:srgbClr val="DDDDDD"/>
+                      </a:solidFill>
+                      <a:prstDash val="solid"/>
+                      <a:round/>
+                      <a:headEnd type="none" w="med" len="med"/>
+                      <a:tailEnd type="none" w="med" len="med"/>
+                    </a:lnT>
+                    <a:lnB w="7620" cap="flat" cmpd="sng" algn="ctr">
+                      <a:solidFill>
+                        <a:srgbClr val="DDDDDD"/>
+                      </a:solidFill>
+                      <a:prstDash val="solid"/>
+                      <a:round/>
+                      <a:headEnd type="none" w="med" len="med"/>
+                      <a:tailEnd type="none" w="med" len="med"/>
+                    </a:lnB>
+                    <a:solidFill>
+                      <a:srgbClr val="F9F9F9"/>
+                    </a:solidFill>
+                  </a:tcPr>
+                </a:tc>
+                <a:tc>
+                  <a:txBody>
+                    <a:bodyPr/>
+                    <a:lstStyle/>
+                    <a:p>
+                      <a:pPr algn="l" fontAlgn="t"/>
+                      <a:r>
+                        <a:rPr lang="en-US" sz="1100">
+                          <a:effectLst/>
+                        </a:rPr>
+                        <a:t>Less than 32kb</a:t>
+                      </a:r>
+                    </a:p>
+                  </a:txBody>
+                  <a:tcPr marL="36876" marR="36876" marT="36876" marB="36876">
+                    <a:lnL w="12700" cap="flat" cmpd="sng" algn="ctr">
+                      <a:solidFill>
+                        <a:srgbClr val="106A95"/>
+                      </a:solidFill>
+                      <a:prstDash val="solid"/>
+                      <a:round/>
+                      <a:headEnd type="none" w="med" len="med"/>
+                      <a:tailEnd type="none" w="med" len="med"/>
+                    </a:lnL>
+                    <a:lnR w="12700" cap="flat" cmpd="sng" algn="ctr">
+                      <a:solidFill>
+                        <a:srgbClr val="907795"/>
+                      </a:solidFill>
+                      <a:prstDash val="solid"/>
+                      <a:round/>
+                      <a:headEnd type="none" w="med" len="med"/>
+                      <a:tailEnd type="none" w="med" len="med"/>
+                    </a:lnR>
+                    <a:lnT w="7620" cap="flat" cmpd="sng" algn="ctr">
+                      <a:solidFill>
+                        <a:srgbClr val="DDDDDD"/>
+                      </a:solidFill>
+                      <a:prstDash val="solid"/>
+                      <a:round/>
+                      <a:headEnd type="none" w="med" len="med"/>
+                      <a:tailEnd type="none" w="med" len="med"/>
+                    </a:lnT>
+                    <a:lnB w="7620" cap="flat" cmpd="sng" algn="ctr">
+                      <a:solidFill>
+                        <a:srgbClr val="DDDDDD"/>
+                      </a:solidFill>
+                      <a:prstDash val="solid"/>
+                      <a:round/>
+                      <a:headEnd type="none" w="med" len="med"/>
+                      <a:tailEnd type="none" w="med" len="med"/>
+                    </a:lnB>
+                    <a:solidFill>
+                      <a:srgbClr val="F9F9F9"/>
+                    </a:solidFill>
+                  </a:tcPr>
+                </a:tc>
+                <a:tc>
+                  <a:txBody>
+                    <a:bodyPr/>
+                    <a:lstStyle/>
+                    <a:p>
+                      <a:pPr algn="l" fontAlgn="t"/>
+                      <a:r>
+                        <a:rPr lang="en-US" sz="1100">
+                          <a:effectLst/>
+                        </a:rPr>
+                        <a:t>&gt;= 32kb</a:t>
+                      </a:r>
+                    </a:p>
+                  </a:txBody>
+                  <a:tcPr marL="36876" marR="36876" marT="36876" marB="36876">
+                    <a:lnL w="12700" cap="flat" cmpd="sng" algn="ctr">
+                      <a:solidFill>
+                        <a:srgbClr val="907795"/>
+                      </a:solidFill>
+                      <a:prstDash val="solid"/>
+                      <a:round/>
+                      <a:headEnd type="none" w="med" len="med"/>
+                      <a:tailEnd type="none" w="med" len="med"/>
+                    </a:lnL>
+                    <a:lnR w="12700" cap="flat" cmpd="sng" algn="ctr">
+                      <a:solidFill>
+                        <a:srgbClr val="907795"/>
+                      </a:solidFill>
+                      <a:prstDash val="solid"/>
+                      <a:round/>
+                      <a:headEnd type="none" w="med" len="med"/>
+                      <a:tailEnd type="none" w="med" len="med"/>
+                    </a:lnR>
+                    <a:lnT w="7620" cap="flat" cmpd="sng" algn="ctr">
+                      <a:solidFill>
+                        <a:srgbClr val="DDDDDD"/>
+                      </a:solidFill>
+                      <a:prstDash val="solid"/>
+                      <a:round/>
+                      <a:headEnd type="none" w="med" len="med"/>
+                      <a:tailEnd type="none" w="med" len="med"/>
+                    </a:lnT>
+                    <a:lnB w="7620" cap="flat" cmpd="sng" algn="ctr">
+                      <a:solidFill>
+                        <a:srgbClr val="DDDDDD"/>
+                      </a:solidFill>
+                      <a:prstDash val="solid"/>
+                      <a:round/>
+                      <a:headEnd type="none" w="med" len="med"/>
+                      <a:tailEnd type="none" w="med" len="med"/>
+                    </a:lnB>
+                    <a:solidFill>
+                      <a:srgbClr val="F9F9F9"/>
+                    </a:solidFill>
+                  </a:tcPr>
+                </a:tc>
+                <a:tc>
+                  <a:txBody>
+                    <a:bodyPr/>
+                    <a:lstStyle/>
+                    <a:p>
+                      <a:pPr algn="l" fontAlgn="t"/>
+                      <a:r>
+                        <a:rPr lang="en-US" sz="1100">
+                          <a:effectLst/>
+                        </a:rPr>
+                        <a:t>&gt;= 32kb</a:t>
+                      </a:r>
+                    </a:p>
+                  </a:txBody>
+                  <a:tcPr marL="36876" marR="36876" marT="36876" marB="36876">
+                    <a:lnL w="12700" cap="flat" cmpd="sng" algn="ctr">
+                      <a:solidFill>
+                        <a:srgbClr val="907795"/>
+                      </a:solidFill>
+                      <a:prstDash val="solid"/>
+                      <a:round/>
+                      <a:headEnd type="none" w="med" len="med"/>
+                      <a:tailEnd type="none" w="med" len="med"/>
+                    </a:lnL>
+                    <a:lnR w="12700" cap="flat" cmpd="sng" algn="ctr">
+                      <a:solidFill>
+                        <a:srgbClr val="106A95"/>
+                      </a:solidFill>
+                      <a:prstDash val="solid"/>
+                      <a:round/>
+                      <a:headEnd type="none" w="med" len="med"/>
+                      <a:tailEnd type="none" w="med" len="med"/>
+                    </a:lnR>
+                    <a:lnT w="7620" cap="flat" cmpd="sng" algn="ctr">
+                      <a:solidFill>
+                        <a:srgbClr val="DDDDDD"/>
+                      </a:solidFill>
+                      <a:prstDash val="solid"/>
+                      <a:round/>
+                      <a:headEnd type="none" w="med" len="med"/>
+                      <a:tailEnd type="none" w="med" len="med"/>
+                    </a:lnT>
+                    <a:lnB w="7620" cap="flat" cmpd="sng" algn="ctr">
+                      <a:solidFill>
+                        <a:srgbClr val="DDDDDD"/>
+                      </a:solidFill>
+                      <a:prstDash val="solid"/>
+                      <a:round/>
+                      <a:headEnd type="none" w="med" len="med"/>
+                      <a:tailEnd type="none" w="med" len="med"/>
+                    </a:lnB>
+                    <a:solidFill>
+                      <a:srgbClr val="F9F9F9"/>
+                    </a:solidFill>
+                  </a:tcPr>
+                </a:tc>
+                <a:extLst>
+                  <a:ext uri="{0D108BD9-81ED-4DB2-BD59-A6C34878D82A}">
+                    <a16:rowId xmlns:a16="http://schemas.microsoft.com/office/drawing/2014/main" val="3674840784"/>
+                  </a:ext>
+                </a:extLst>
+              </a:tr>
+              <a:tr h="585892">
+                <a:tc>
+                  <a:txBody>
+                    <a:bodyPr/>
+                    <a:lstStyle/>
+                    <a:p>
+                      <a:pPr algn="l" fontAlgn="t"/>
+                      <a:r>
+                        <a:rPr lang="en-US" sz="1100" b="1">
+                          <a:effectLst/>
+                        </a:rPr>
+                        <a:t>resolution</a:t>
+                      </a:r>
+                      <a:endParaRPr lang="en-US" sz="1100">
+                        <a:effectLst/>
+                      </a:endParaRPr>
+                    </a:p>
+                  </a:txBody>
+                  <a:tcPr marL="36876" marR="36876" marT="36876" marB="36876">
+                    <a:lnL w="12700" cap="flat" cmpd="sng" algn="ctr">
+                      <a:solidFill>
+                        <a:srgbClr val="107695"/>
+                      </a:solidFill>
+                      <a:prstDash val="solid"/>
+                      <a:round/>
+                      <a:headEnd type="none" w="med" len="med"/>
+                      <a:tailEnd type="none" w="med" len="med"/>
+                    </a:lnL>
+                    <a:lnR w="12700" cap="flat" cmpd="sng" algn="ctr">
+                      <a:solidFill>
+                        <a:srgbClr val="107695"/>
+                      </a:solidFill>
+                      <a:prstDash val="solid"/>
+                      <a:round/>
+                      <a:headEnd type="none" w="med" len="med"/>
+                      <a:tailEnd type="none" w="med" len="med"/>
+                    </a:lnR>
+                    <a:lnT w="7620" cap="flat" cmpd="sng" algn="ctr">
+                      <a:solidFill>
+                        <a:srgbClr val="DDDDDD"/>
+                      </a:solidFill>
+                      <a:prstDash val="solid"/>
+                      <a:round/>
+                      <a:headEnd type="none" w="med" len="med"/>
+                      <a:tailEnd type="none" w="med" len="med"/>
+                    </a:lnT>
+                    <a:lnB w="7620" cap="flat" cmpd="sng" algn="ctr">
+                      <a:solidFill>
+                        <a:srgbClr val="DDDDDD"/>
+                      </a:solidFill>
+                      <a:prstDash val="solid"/>
+                      <a:round/>
+                      <a:headEnd type="none" w="med" len="med"/>
+                      <a:tailEnd type="none" w="med" len="med"/>
+                    </a:lnB>
+                    <a:solidFill>
+                      <a:srgbClr val="FFFFFF"/>
+                    </a:solidFill>
+                  </a:tcPr>
+                </a:tc>
+                <a:tc>
+                  <a:txBody>
+                    <a:bodyPr/>
+                    <a:lstStyle/>
+                    <a:p>
+                      <a:pPr algn="l" fontAlgn="t"/>
+                      <a:r>
+                        <a:rPr lang="en-US" sz="1100">
+                          <a:effectLst/>
+                        </a:rPr>
+                        <a:t>137*177</a:t>
+                      </a:r>
+                    </a:p>
+                  </a:txBody>
+                  <a:tcPr marL="36876" marR="36876" marT="36876" marB="36876">
+                    <a:lnL w="12700" cap="flat" cmpd="sng" algn="ctr">
+                      <a:solidFill>
+                        <a:srgbClr val="107695"/>
+                      </a:solidFill>
+                      <a:prstDash val="solid"/>
+                      <a:round/>
+                      <a:headEnd type="none" w="med" len="med"/>
+                      <a:tailEnd type="none" w="med" len="med"/>
+                    </a:lnL>
+                    <a:lnR w="12700" cap="flat" cmpd="sng" algn="ctr">
+                      <a:solidFill>
+                        <a:srgbClr val="707495"/>
+                      </a:solidFill>
+                      <a:prstDash val="solid"/>
+                      <a:round/>
+                      <a:headEnd type="none" w="med" len="med"/>
+                      <a:tailEnd type="none" w="med" len="med"/>
+                    </a:lnR>
+                    <a:lnT w="7620" cap="flat" cmpd="sng" algn="ctr">
+                      <a:solidFill>
+                        <a:srgbClr val="DDDDDD"/>
+                      </a:solidFill>
+                      <a:prstDash val="solid"/>
+                      <a:round/>
+                      <a:headEnd type="none" w="med" len="med"/>
+                      <a:tailEnd type="none" w="med" len="med"/>
+                    </a:lnT>
+                    <a:lnB w="7620" cap="flat" cmpd="sng" algn="ctr">
+                      <a:solidFill>
+                        <a:srgbClr val="DDDDDD"/>
+                      </a:solidFill>
+                      <a:prstDash val="solid"/>
+                      <a:round/>
+                      <a:headEnd type="none" w="med" len="med"/>
+                      <a:tailEnd type="none" w="med" len="med"/>
+                    </a:lnB>
+                    <a:solidFill>
+                      <a:srgbClr val="FFFFFF"/>
+                    </a:solidFill>
+                  </a:tcPr>
+                </a:tc>
+                <a:tc>
+                  <a:txBody>
+                    <a:bodyPr/>
+                    <a:lstStyle/>
+                    <a:p>
+                      <a:pPr algn="l" fontAlgn="t"/>
+                      <a:r>
+                        <a:rPr lang="en-US" sz="1100">
+                          <a:effectLst/>
+                        </a:rPr>
+                        <a:t>Not 137*177</a:t>
+                      </a:r>
+                    </a:p>
+                  </a:txBody>
+                  <a:tcPr marL="36876" marR="36876" marT="36876" marB="36876">
+                    <a:lnL w="12700" cap="flat" cmpd="sng" algn="ctr">
+                      <a:solidFill>
+                        <a:srgbClr val="707495"/>
+                      </a:solidFill>
+                      <a:prstDash val="solid"/>
+                      <a:round/>
+                      <a:headEnd type="none" w="med" len="med"/>
+                      <a:tailEnd type="none" w="med" len="med"/>
+                    </a:lnL>
+                    <a:lnR w="12700" cap="flat" cmpd="sng" algn="ctr">
+                      <a:solidFill>
+                        <a:srgbClr val="107B95"/>
+                      </a:solidFill>
+                      <a:prstDash val="solid"/>
+                      <a:round/>
+                      <a:headEnd type="none" w="med" len="med"/>
+                      <a:tailEnd type="none" w="med" len="med"/>
+                    </a:lnR>
+                    <a:lnT w="7620" cap="flat" cmpd="sng" algn="ctr">
+                      <a:solidFill>
+                        <a:srgbClr val="DDDDDD"/>
+                      </a:solidFill>
+                      <a:prstDash val="solid"/>
+                      <a:round/>
+                      <a:headEnd type="none" w="med" len="med"/>
+                      <a:tailEnd type="none" w="med" len="med"/>
+                    </a:lnT>
+                    <a:lnB w="7620" cap="flat" cmpd="sng" algn="ctr">
+                      <a:solidFill>
+                        <a:srgbClr val="DDDDDD"/>
+                      </a:solidFill>
+                      <a:prstDash val="solid"/>
+                      <a:round/>
+                      <a:headEnd type="none" w="med" len="med"/>
+                      <a:tailEnd type="none" w="med" len="med"/>
+                    </a:lnB>
+                    <a:solidFill>
+                      <a:srgbClr val="FFFFFF"/>
+                    </a:solidFill>
+                  </a:tcPr>
+                </a:tc>
+                <a:tc>
+                  <a:txBody>
+                    <a:bodyPr/>
+                    <a:lstStyle/>
+                    <a:p>
+                      <a:pPr algn="l" fontAlgn="t"/>
+                      <a:r>
+                        <a:rPr lang="en-US" sz="1100">
+                          <a:effectLst/>
+                        </a:rPr>
+                        <a:t>137*177</a:t>
+                      </a:r>
+                    </a:p>
+                  </a:txBody>
+                  <a:tcPr marL="36876" marR="36876" marT="36876" marB="36876">
+                    <a:lnL w="12700" cap="flat" cmpd="sng" algn="ctr">
+                      <a:solidFill>
+                        <a:srgbClr val="107B95"/>
+                      </a:solidFill>
+                      <a:prstDash val="solid"/>
+                      <a:round/>
+                      <a:headEnd type="none" w="med" len="med"/>
+                      <a:tailEnd type="none" w="med" len="med"/>
+                    </a:lnL>
+                    <a:lnR w="12700" cap="flat" cmpd="sng" algn="ctr">
+                      <a:solidFill>
+                        <a:srgbClr val="108195"/>
+                      </a:solidFill>
+                      <a:prstDash val="solid"/>
+                      <a:round/>
+                      <a:headEnd type="none" w="med" len="med"/>
+                      <a:tailEnd type="none" w="med" len="med"/>
+                    </a:lnR>
+                    <a:lnT w="7620" cap="flat" cmpd="sng" algn="ctr">
+                      <a:solidFill>
+                        <a:srgbClr val="DDDDDD"/>
+                      </a:solidFill>
+                      <a:prstDash val="solid"/>
+                      <a:round/>
+                      <a:headEnd type="none" w="med" len="med"/>
+                      <a:tailEnd type="none" w="med" len="med"/>
+                    </a:lnT>
+                    <a:lnB w="7620" cap="flat" cmpd="sng" algn="ctr">
+                      <a:solidFill>
+                        <a:srgbClr val="DDDDDD"/>
+                      </a:solidFill>
+                      <a:prstDash val="solid"/>
+                      <a:round/>
+                      <a:headEnd type="none" w="med" len="med"/>
+                      <a:tailEnd type="none" w="med" len="med"/>
+                    </a:lnB>
+                    <a:solidFill>
+                      <a:srgbClr val="FFFFFF"/>
+                    </a:solidFill>
+                  </a:tcPr>
+                </a:tc>
+                <a:tc>
+                  <a:txBody>
+                    <a:bodyPr/>
+                    <a:lstStyle/>
+                    <a:p>
+                      <a:pPr algn="l" fontAlgn="t"/>
+                      <a:r>
+                        <a:rPr lang="en-US" sz="1100">
+                          <a:effectLst/>
+                        </a:rPr>
+                        <a:t>Not 137*177</a:t>
+                      </a:r>
+                    </a:p>
+                  </a:txBody>
+                  <a:tcPr marL="36876" marR="36876" marT="36876" marB="36876">
+                    <a:lnL w="12700" cap="flat" cmpd="sng" algn="ctr">
+                      <a:solidFill>
+                        <a:srgbClr val="108195"/>
+                      </a:solidFill>
+                      <a:prstDash val="solid"/>
+                      <a:round/>
+                      <a:headEnd type="none" w="med" len="med"/>
+                      <a:tailEnd type="none" w="med" len="med"/>
+                    </a:lnL>
+                    <a:lnR w="12700" cap="flat" cmpd="sng" algn="ctr">
+                      <a:solidFill>
+                        <a:srgbClr val="508994"/>
+                      </a:solidFill>
+                      <a:prstDash val="solid"/>
+                      <a:round/>
+                      <a:headEnd type="none" w="med" len="med"/>
+                      <a:tailEnd type="none" w="med" len="med"/>
+                    </a:lnR>
+                    <a:lnT w="7620" cap="flat" cmpd="sng" algn="ctr">
+                      <a:solidFill>
+                        <a:srgbClr val="DDDDDD"/>
+                      </a:solidFill>
+                      <a:prstDash val="solid"/>
+                      <a:round/>
+                      <a:headEnd type="none" w="med" len="med"/>
+                      <a:tailEnd type="none" w="med" len="med"/>
+                    </a:lnT>
+                    <a:lnB w="7620" cap="flat" cmpd="sng" algn="ctr">
+                      <a:solidFill>
+                        <a:srgbClr val="DDDDDD"/>
+                      </a:solidFill>
+                      <a:prstDash val="solid"/>
+                      <a:round/>
+                      <a:headEnd type="none" w="med" len="med"/>
+                      <a:tailEnd type="none" w="med" len="med"/>
+                    </a:lnB>
+                    <a:solidFill>
+                      <a:srgbClr val="FFFFFF"/>
+                    </a:solidFill>
+                  </a:tcPr>
+                </a:tc>
+                <a:tc>
+                  <a:txBody>
+                    <a:bodyPr/>
+                    <a:lstStyle/>
+                    <a:p>
+                      <a:pPr algn="l" fontAlgn="t"/>
+                      <a:r>
+                        <a:rPr lang="en-US" sz="1100">
+                          <a:effectLst/>
+                        </a:rPr>
+                        <a:t>137*177</a:t>
+                      </a:r>
+                    </a:p>
+                  </a:txBody>
+                  <a:tcPr marL="36876" marR="36876" marT="36876" marB="36876">
+                    <a:lnL w="12700" cap="flat" cmpd="sng" algn="ctr">
+                      <a:solidFill>
+                        <a:srgbClr val="508994"/>
+                      </a:solidFill>
+                      <a:prstDash val="solid"/>
+                      <a:round/>
+                      <a:headEnd type="none" w="med" len="med"/>
+                      <a:tailEnd type="none" w="med" len="med"/>
+                    </a:lnL>
+                    <a:lnR w="12700" cap="flat" cmpd="sng" algn="ctr">
+                      <a:solidFill>
+                        <a:srgbClr val="509194"/>
+                      </a:solidFill>
+                      <a:prstDash val="solid"/>
+                      <a:round/>
+                      <a:headEnd type="none" w="med" len="med"/>
+                      <a:tailEnd type="none" w="med" len="med"/>
+                    </a:lnR>
+                    <a:lnT w="7620" cap="flat" cmpd="sng" algn="ctr">
+                      <a:solidFill>
+                        <a:srgbClr val="DDDDDD"/>
+                      </a:solidFill>
+                      <a:prstDash val="solid"/>
+                      <a:round/>
+                      <a:headEnd type="none" w="med" len="med"/>
+                      <a:tailEnd type="none" w="med" len="med"/>
+                    </a:lnT>
+                    <a:lnB w="7620" cap="flat" cmpd="sng" algn="ctr">
+                      <a:solidFill>
+                        <a:srgbClr val="DDDDDD"/>
+                      </a:solidFill>
+                      <a:prstDash val="solid"/>
+                      <a:round/>
+                      <a:headEnd type="none" w="med" len="med"/>
+                      <a:tailEnd type="none" w="med" len="med"/>
+                    </a:lnB>
+                    <a:solidFill>
+                      <a:srgbClr val="FFFFFF"/>
+                    </a:solidFill>
+                  </a:tcPr>
+                </a:tc>
+                <a:tc>
+                  <a:txBody>
+                    <a:bodyPr/>
+                    <a:lstStyle/>
+                    <a:p>
+                      <a:pPr algn="l" fontAlgn="t"/>
+                      <a:r>
+                        <a:rPr lang="en-US" sz="1100">
+                          <a:effectLst/>
+                        </a:rPr>
+                        <a:t>Not 137*177</a:t>
+                      </a:r>
+                    </a:p>
+                  </a:txBody>
+                  <a:tcPr marL="36876" marR="36876" marT="36876" marB="36876">
+                    <a:lnL w="12700" cap="flat" cmpd="sng" algn="ctr">
+                      <a:solidFill>
+                        <a:srgbClr val="509194"/>
+                      </a:solidFill>
+                      <a:prstDash val="solid"/>
+                      <a:round/>
+                      <a:headEnd type="none" w="med" len="med"/>
+                      <a:tailEnd type="none" w="med" len="med"/>
+                    </a:lnL>
+                    <a:lnR w="12700" cap="flat" cmpd="sng" algn="ctr">
+                      <a:solidFill>
+                        <a:srgbClr val="B08D94"/>
+                      </a:solidFill>
+                      <a:prstDash val="solid"/>
+                      <a:round/>
+                      <a:headEnd type="none" w="med" len="med"/>
+                      <a:tailEnd type="none" w="med" len="med"/>
+                    </a:lnR>
+                    <a:lnT w="7620" cap="flat" cmpd="sng" algn="ctr">
+                      <a:solidFill>
+                        <a:srgbClr val="DDDDDD"/>
+                      </a:solidFill>
+                      <a:prstDash val="solid"/>
+                      <a:round/>
+                      <a:headEnd type="none" w="med" len="med"/>
+                      <a:tailEnd type="none" w="med" len="med"/>
+                    </a:lnT>
+                    <a:lnB w="7620" cap="flat" cmpd="sng" algn="ctr">
+                      <a:solidFill>
+                        <a:srgbClr val="DDDDDD"/>
+                      </a:solidFill>
+                      <a:prstDash val="solid"/>
+                      <a:round/>
+                      <a:headEnd type="none" w="med" len="med"/>
+                      <a:tailEnd type="none" w="med" len="med"/>
+                    </a:lnB>
+                    <a:solidFill>
+                      <a:srgbClr val="FFFFFF"/>
+                    </a:solidFill>
+                  </a:tcPr>
+                </a:tc>
+                <a:tc>
+                  <a:txBody>
+                    <a:bodyPr/>
+                    <a:lstStyle/>
+                    <a:p>
+                      <a:pPr algn="l" fontAlgn="t"/>
+                      <a:r>
+                        <a:rPr lang="en-US" sz="1100">
+                          <a:effectLst/>
+                        </a:rPr>
+                        <a:t>137*177</a:t>
+                      </a:r>
+                    </a:p>
+                  </a:txBody>
+                  <a:tcPr marL="36876" marR="36876" marT="36876" marB="36876">
+                    <a:lnL w="12700" cap="flat" cmpd="sng" algn="ctr">
+                      <a:solidFill>
+                        <a:srgbClr val="B08D94"/>
+                      </a:solidFill>
+                      <a:prstDash val="solid"/>
+                      <a:round/>
+                      <a:headEnd type="none" w="med" len="med"/>
+                      <a:tailEnd type="none" w="med" len="med"/>
+                    </a:lnL>
+                    <a:lnR w="12700" cap="flat" cmpd="sng" algn="ctr">
+                      <a:solidFill>
+                        <a:srgbClr val="908A94"/>
+                      </a:solidFill>
+                      <a:prstDash val="solid"/>
+                      <a:round/>
+                      <a:headEnd type="none" w="med" len="med"/>
+                      <a:tailEnd type="none" w="med" len="med"/>
+                    </a:lnR>
+                    <a:lnT w="7620" cap="flat" cmpd="sng" algn="ctr">
+                      <a:solidFill>
+                        <a:srgbClr val="DDDDDD"/>
+                      </a:solidFill>
+                      <a:prstDash val="solid"/>
+                      <a:round/>
+                      <a:headEnd type="none" w="med" len="med"/>
+                      <a:tailEnd type="none" w="med" len="med"/>
+                    </a:lnT>
+                    <a:lnB w="7620" cap="flat" cmpd="sng" algn="ctr">
+                      <a:solidFill>
+                        <a:srgbClr val="DDDDDD"/>
+                      </a:solidFill>
+                      <a:prstDash val="solid"/>
+                      <a:round/>
+                      <a:headEnd type="none" w="med" len="med"/>
+                      <a:tailEnd type="none" w="med" len="med"/>
+                    </a:lnB>
+                    <a:solidFill>
+                      <a:srgbClr val="FFFFFF"/>
+                    </a:solidFill>
+                  </a:tcPr>
+                </a:tc>
+                <a:tc>
+                  <a:txBody>
+                    <a:bodyPr/>
+                    <a:lstStyle/>
+                    <a:p>
+                      <a:pPr algn="l" fontAlgn="t"/>
+                      <a:r>
+                        <a:rPr lang="en-US" sz="1100">
+                          <a:effectLst/>
+                        </a:rPr>
+                        <a:t>Not 137*177</a:t>
+                      </a:r>
+                    </a:p>
+                  </a:txBody>
+                  <a:tcPr marL="36876" marR="36876" marT="36876" marB="36876">
+                    <a:lnL w="12700" cap="flat" cmpd="sng" algn="ctr">
+                      <a:solidFill>
+                        <a:srgbClr val="908A94"/>
+                      </a:solidFill>
+                      <a:prstDash val="solid"/>
+                      <a:round/>
+                      <a:headEnd type="none" w="med" len="med"/>
+                      <a:tailEnd type="none" w="med" len="med"/>
+                    </a:lnL>
+                    <a:lnR w="12700" cap="flat" cmpd="sng" algn="ctr">
+                      <a:solidFill>
+                        <a:srgbClr val="508994"/>
+                      </a:solidFill>
+                      <a:prstDash val="solid"/>
+                      <a:round/>
+                      <a:headEnd type="none" w="med" len="med"/>
+                      <a:tailEnd type="none" w="med" len="med"/>
+                    </a:lnR>
+                    <a:lnT w="7620" cap="flat" cmpd="sng" algn="ctr">
+                      <a:solidFill>
+                        <a:srgbClr val="DDDDDD"/>
+                      </a:solidFill>
+                      <a:prstDash val="solid"/>
+                      <a:round/>
+                      <a:headEnd type="none" w="med" len="med"/>
+                      <a:tailEnd type="none" w="med" len="med"/>
+                    </a:lnT>
+                    <a:lnB w="7620" cap="flat" cmpd="sng" algn="ctr">
+                      <a:solidFill>
+                        <a:srgbClr val="DDDDDD"/>
+                      </a:solidFill>
+                      <a:prstDash val="solid"/>
+                      <a:round/>
+                      <a:headEnd type="none" w="med" len="med"/>
+                      <a:tailEnd type="none" w="med" len="med"/>
+                    </a:lnB>
+                    <a:solidFill>
+                      <a:srgbClr val="FFFFFF"/>
+                    </a:solidFill>
+                  </a:tcPr>
+                </a:tc>
+                <a:extLst>
+                  <a:ext uri="{0D108BD9-81ED-4DB2-BD59-A6C34878D82A}">
+                    <a16:rowId xmlns:a16="http://schemas.microsoft.com/office/drawing/2014/main" val="1459116196"/>
+                  </a:ext>
+                </a:extLst>
+              </a:tr>
+              <a:tr h="2286870">
+                <a:tc>
+                  <a:txBody>
+                    <a:bodyPr/>
+                    <a:lstStyle/>
+                    <a:p>
+                      <a:pPr algn="l" fontAlgn="t"/>
+                      <a:r>
+                        <a:rPr lang="en-US" sz="1100" b="1">
+                          <a:effectLst/>
+                        </a:rPr>
+                        <a:t>Output</a:t>
+                      </a:r>
+                      <a:endParaRPr lang="en-US" sz="1100">
+                        <a:effectLst/>
+                      </a:endParaRPr>
+                    </a:p>
+                  </a:txBody>
+                  <a:tcPr marL="36876" marR="36876" marT="36876" marB="36876">
+                    <a:lnL w="12700" cap="flat" cmpd="sng" algn="ctr">
+                      <a:solidFill>
+                        <a:srgbClr val="308A94"/>
+                      </a:solidFill>
+                      <a:prstDash val="solid"/>
+                      <a:round/>
+                      <a:headEnd type="none" w="med" len="med"/>
+                      <a:tailEnd type="none" w="med" len="med"/>
+                    </a:lnL>
+                    <a:lnR w="12700" cap="flat" cmpd="sng" algn="ctr">
+                      <a:solidFill>
+                        <a:srgbClr val="F08E94"/>
+                      </a:solidFill>
+                      <a:prstDash val="solid"/>
+                      <a:round/>
+                      <a:headEnd type="none" w="med" len="med"/>
+                      <a:tailEnd type="none" w="med" len="med"/>
+                    </a:lnR>
+                    <a:lnT w="7620" cap="flat" cmpd="sng" algn="ctr">
+                      <a:solidFill>
+                        <a:srgbClr val="DDDDDD"/>
+                      </a:solidFill>
+                      <a:prstDash val="solid"/>
+                      <a:round/>
+                      <a:headEnd type="none" w="med" len="med"/>
+                      <a:tailEnd type="none" w="med" len="med"/>
+                    </a:lnT>
+                    <a:lnB w="12700" cap="flat" cmpd="sng" algn="ctr">
+                      <a:solidFill>
+                        <a:srgbClr val="708F94"/>
+                      </a:solidFill>
+                      <a:prstDash val="solid"/>
+                      <a:round/>
+                      <a:headEnd type="none" w="med" len="med"/>
+                      <a:tailEnd type="none" w="med" len="med"/>
+                    </a:lnB>
+                    <a:solidFill>
+                      <a:srgbClr val="F9F9F9"/>
+                    </a:solidFill>
+                  </a:tcPr>
+                </a:tc>
+                <a:tc>
+                  <a:txBody>
+                    <a:bodyPr/>
+                    <a:lstStyle/>
+                    <a:p>
+                      <a:pPr algn="l" fontAlgn="t"/>
+                      <a:r>
+                        <a:rPr lang="en-US" sz="1100">
+                          <a:effectLst/>
+                        </a:rPr>
+                        <a:t>Photo uploaded</a:t>
+                      </a:r>
+                    </a:p>
+                  </a:txBody>
+                  <a:tcPr marL="36876" marR="36876" marT="36876" marB="36876">
+                    <a:lnL w="12700" cap="flat" cmpd="sng" algn="ctr">
+                      <a:solidFill>
+                        <a:srgbClr val="F08E94"/>
+                      </a:solidFill>
+                      <a:prstDash val="solid"/>
+                      <a:round/>
+                      <a:headEnd type="none" w="med" len="med"/>
+                      <a:tailEnd type="none" w="med" len="med"/>
+                    </a:lnL>
+                    <a:lnR w="12700" cap="flat" cmpd="sng" algn="ctr">
+                      <a:solidFill>
+                        <a:srgbClr val="F08994"/>
+                      </a:solidFill>
+                      <a:prstDash val="solid"/>
+                      <a:round/>
+                      <a:headEnd type="none" w="med" len="med"/>
+                      <a:tailEnd type="none" w="med" len="med"/>
+                    </a:lnR>
+                    <a:lnT w="7620" cap="flat" cmpd="sng" algn="ctr">
+                      <a:solidFill>
+                        <a:srgbClr val="DDDDDD"/>
+                      </a:solidFill>
+                      <a:prstDash val="solid"/>
+                      <a:round/>
+                      <a:headEnd type="none" w="med" len="med"/>
+                      <a:tailEnd type="none" w="med" len="med"/>
+                    </a:lnT>
+                    <a:lnB w="12700" cap="flat" cmpd="sng" algn="ctr">
+                      <a:solidFill>
+                        <a:srgbClr val="108E94"/>
+                      </a:solidFill>
+                      <a:prstDash val="solid"/>
+                      <a:round/>
+                      <a:headEnd type="none" w="med" len="med"/>
+                      <a:tailEnd type="none" w="med" len="med"/>
+                    </a:lnB>
+                    <a:solidFill>
+                      <a:srgbClr val="F9F9F9"/>
+                    </a:solidFill>
+                  </a:tcPr>
+                </a:tc>
+                <a:tc>
+                  <a:txBody>
+                    <a:bodyPr/>
+                    <a:lstStyle/>
+                    <a:p>
+                      <a:pPr algn="l" fontAlgn="t"/>
+                      <a:r>
+                        <a:rPr lang="en-US" sz="1100">
+                          <a:effectLst/>
+                        </a:rPr>
+                        <a:t>Error message resolution mismatch</a:t>
+                      </a:r>
+                    </a:p>
+                  </a:txBody>
+                  <a:tcPr marL="36876" marR="36876" marT="36876" marB="36876">
+                    <a:lnL w="12700" cap="flat" cmpd="sng" algn="ctr">
+                      <a:solidFill>
+                        <a:srgbClr val="F08994"/>
+                      </a:solidFill>
+                      <a:prstDash val="solid"/>
+                      <a:round/>
+                      <a:headEnd type="none" w="med" len="med"/>
+                      <a:tailEnd type="none" w="med" len="med"/>
+                    </a:lnL>
+                    <a:lnR w="12700" cap="flat" cmpd="sng" algn="ctr">
+                      <a:solidFill>
+                        <a:srgbClr val="508A94"/>
+                      </a:solidFill>
+                      <a:prstDash val="solid"/>
+                      <a:round/>
+                      <a:headEnd type="none" w="med" len="med"/>
+                      <a:tailEnd type="none" w="med" len="med"/>
+                    </a:lnR>
+                    <a:lnT w="7620" cap="flat" cmpd="sng" algn="ctr">
+                      <a:solidFill>
+                        <a:srgbClr val="DDDDDD"/>
+                      </a:solidFill>
+                      <a:prstDash val="solid"/>
+                      <a:round/>
+                      <a:headEnd type="none" w="med" len="med"/>
+                      <a:tailEnd type="none" w="med" len="med"/>
+                    </a:lnT>
+                    <a:lnB w="12700" cap="flat" cmpd="sng" algn="ctr">
+                      <a:solidFill>
+                        <a:srgbClr val="F08E94"/>
+                      </a:solidFill>
+                      <a:prstDash val="solid"/>
+                      <a:round/>
+                      <a:headEnd type="none" w="med" len="med"/>
+                      <a:tailEnd type="none" w="med" len="med"/>
+                    </a:lnB>
+                    <a:solidFill>
+                      <a:srgbClr val="F9F9F9"/>
+                    </a:solidFill>
+                  </a:tcPr>
+                </a:tc>
+                <a:tc>
+                  <a:txBody>
+                    <a:bodyPr/>
+                    <a:lstStyle/>
+                    <a:p>
+                      <a:pPr algn="l" fontAlgn="t"/>
+                      <a:r>
+                        <a:rPr lang="en-US" sz="1100" dirty="0">
+                          <a:effectLst/>
+                        </a:rPr>
+                        <a:t>Error message size mismatch</a:t>
+                      </a:r>
+                    </a:p>
+                  </a:txBody>
+                  <a:tcPr marL="36876" marR="36876" marT="36876" marB="36876">
+                    <a:lnL w="12700" cap="flat" cmpd="sng" algn="ctr">
+                      <a:solidFill>
+                        <a:srgbClr val="508A94"/>
+                      </a:solidFill>
+                      <a:prstDash val="solid"/>
+                      <a:round/>
+                      <a:headEnd type="none" w="med" len="med"/>
+                      <a:tailEnd type="none" w="med" len="med"/>
+                    </a:lnL>
+                    <a:lnR w="12700" cap="flat" cmpd="sng" algn="ctr">
+                      <a:solidFill>
+                        <a:srgbClr val="B09794"/>
+                      </a:solidFill>
+                      <a:prstDash val="solid"/>
+                      <a:round/>
+                      <a:headEnd type="none" w="med" len="med"/>
+                      <a:tailEnd type="none" w="med" len="med"/>
+                    </a:lnR>
+                    <a:lnT w="7620" cap="flat" cmpd="sng" algn="ctr">
+                      <a:solidFill>
+                        <a:srgbClr val="DDDDDD"/>
+                      </a:solidFill>
+                      <a:prstDash val="solid"/>
+                      <a:round/>
+                      <a:headEnd type="none" w="med" len="med"/>
+                      <a:tailEnd type="none" w="med" len="med"/>
+                    </a:lnT>
+                    <a:lnB w="12700" cap="flat" cmpd="sng" algn="ctr">
+                      <a:solidFill>
+                        <a:srgbClr val="308A94"/>
+                      </a:solidFill>
+                      <a:prstDash val="solid"/>
+                      <a:round/>
+                      <a:headEnd type="none" w="med" len="med"/>
+                      <a:tailEnd type="none" w="med" len="med"/>
+                    </a:lnB>
+                    <a:solidFill>
+                      <a:srgbClr val="F9F9F9"/>
+                    </a:solidFill>
+                  </a:tcPr>
+                </a:tc>
+                <a:tc>
+                  <a:txBody>
+                    <a:bodyPr/>
+                    <a:lstStyle/>
+                    <a:p>
+                      <a:pPr algn="l" fontAlgn="t"/>
+                      <a:r>
+                        <a:rPr lang="en-US" sz="1100">
+                          <a:effectLst/>
+                        </a:rPr>
+                        <a:t>Error message size and resolution mismatch</a:t>
+                      </a:r>
+                    </a:p>
+                  </a:txBody>
+                  <a:tcPr marL="36876" marR="36876" marT="36876" marB="36876">
+                    <a:lnL w="12700" cap="flat" cmpd="sng" algn="ctr">
+                      <a:solidFill>
+                        <a:srgbClr val="B09794"/>
+                      </a:solidFill>
+                      <a:prstDash val="solid"/>
+                      <a:round/>
+                      <a:headEnd type="none" w="med" len="med"/>
+                      <a:tailEnd type="none" w="med" len="med"/>
+                    </a:lnL>
+                    <a:lnR w="12700" cap="flat" cmpd="sng" algn="ctr">
+                      <a:solidFill>
+                        <a:srgbClr val="D09194"/>
+                      </a:solidFill>
+                      <a:prstDash val="solid"/>
+                      <a:round/>
+                      <a:headEnd type="none" w="med" len="med"/>
+                      <a:tailEnd type="none" w="med" len="med"/>
+                    </a:lnR>
+                    <a:lnT w="7620" cap="flat" cmpd="sng" algn="ctr">
+                      <a:solidFill>
+                        <a:srgbClr val="DDDDDD"/>
+                      </a:solidFill>
+                      <a:prstDash val="solid"/>
+                      <a:round/>
+                      <a:headEnd type="none" w="med" len="med"/>
+                      <a:tailEnd type="none" w="med" len="med"/>
+                    </a:lnT>
+                    <a:lnB w="12700" cap="flat" cmpd="sng" algn="ctr">
+                      <a:solidFill>
+                        <a:srgbClr val="D09494"/>
+                      </a:solidFill>
+                      <a:prstDash val="solid"/>
+                      <a:round/>
+                      <a:headEnd type="none" w="med" len="med"/>
+                      <a:tailEnd type="none" w="med" len="med"/>
+                    </a:lnB>
+                    <a:solidFill>
+                      <a:srgbClr val="F9F9F9"/>
+                    </a:solidFill>
+                  </a:tcPr>
+                </a:tc>
+                <a:tc>
+                  <a:txBody>
+                    <a:bodyPr/>
+                    <a:lstStyle/>
+                    <a:p>
+                      <a:pPr algn="l" fontAlgn="t"/>
+                      <a:r>
+                        <a:rPr lang="da-DK" sz="1100" dirty="0">
+                          <a:effectLst/>
+                        </a:rPr>
+                        <a:t>Error message for format mismatch</a:t>
+                      </a:r>
+                    </a:p>
+                  </a:txBody>
+                  <a:tcPr marL="36876" marR="36876" marT="36876" marB="36876">
+                    <a:lnL w="12700" cap="flat" cmpd="sng" algn="ctr">
+                      <a:solidFill>
+                        <a:srgbClr val="D09194"/>
+                      </a:solidFill>
+                      <a:prstDash val="solid"/>
+                      <a:round/>
+                      <a:headEnd type="none" w="med" len="med"/>
+                      <a:tailEnd type="none" w="med" len="med"/>
+                    </a:lnL>
+                    <a:lnR w="12700" cap="flat" cmpd="sng" algn="ctr">
+                      <a:solidFill>
+                        <a:srgbClr val="309494"/>
+                      </a:solidFill>
+                      <a:prstDash val="solid"/>
+                      <a:round/>
+                      <a:headEnd type="none" w="med" len="med"/>
+                      <a:tailEnd type="none" w="med" len="med"/>
+                    </a:lnR>
+                    <a:lnT w="7620" cap="flat" cmpd="sng" algn="ctr">
+                      <a:solidFill>
+                        <a:srgbClr val="DDDDDD"/>
+                      </a:solidFill>
+                      <a:prstDash val="solid"/>
+                      <a:round/>
+                      <a:headEnd type="none" w="med" len="med"/>
+                      <a:tailEnd type="none" w="med" len="med"/>
+                    </a:lnT>
+                    <a:lnB w="12700" cap="flat" cmpd="sng" algn="ctr">
+                      <a:solidFill>
+                        <a:srgbClr val="B09694"/>
+                      </a:solidFill>
+                      <a:prstDash val="solid"/>
+                      <a:round/>
+                      <a:headEnd type="none" w="med" len="med"/>
+                      <a:tailEnd type="none" w="med" len="med"/>
+                    </a:lnB>
+                    <a:solidFill>
+                      <a:srgbClr val="F9F9F9"/>
+                    </a:solidFill>
+                  </a:tcPr>
+                </a:tc>
+                <a:tc>
+                  <a:txBody>
+                    <a:bodyPr/>
+                    <a:lstStyle/>
+                    <a:p>
+                      <a:pPr algn="l" fontAlgn="t"/>
+                      <a:r>
+                        <a:rPr lang="en-US" sz="1100">
+                          <a:effectLst/>
+                        </a:rPr>
+                        <a:t>Error message format and resolution mismatch</a:t>
+                      </a:r>
+                    </a:p>
+                  </a:txBody>
+                  <a:tcPr marL="36876" marR="36876" marT="36876" marB="36876">
+                    <a:lnL w="12700" cap="flat" cmpd="sng" algn="ctr">
+                      <a:solidFill>
+                        <a:srgbClr val="309494"/>
+                      </a:solidFill>
+                      <a:prstDash val="solid"/>
+                      <a:round/>
+                      <a:headEnd type="none" w="med" len="med"/>
+                      <a:tailEnd type="none" w="med" len="med"/>
+                    </a:lnL>
+                    <a:lnR w="12700" cap="flat" cmpd="sng" algn="ctr">
+                      <a:solidFill>
+                        <a:srgbClr val="B09794"/>
+                      </a:solidFill>
+                      <a:prstDash val="solid"/>
+                      <a:round/>
+                      <a:headEnd type="none" w="med" len="med"/>
+                      <a:tailEnd type="none" w="med" len="med"/>
+                    </a:lnR>
+                    <a:lnT w="7620" cap="flat" cmpd="sng" algn="ctr">
+                      <a:solidFill>
+                        <a:srgbClr val="DDDDDD"/>
+                      </a:solidFill>
+                      <a:prstDash val="solid"/>
+                      <a:round/>
+                      <a:headEnd type="none" w="med" len="med"/>
+                      <a:tailEnd type="none" w="med" len="med"/>
+                    </a:lnT>
+                    <a:lnB w="12700" cap="flat" cmpd="sng" algn="ctr">
+                      <a:solidFill>
+                        <a:srgbClr val="B09494"/>
+                      </a:solidFill>
+                      <a:prstDash val="solid"/>
+                      <a:round/>
+                      <a:headEnd type="none" w="med" len="med"/>
+                      <a:tailEnd type="none" w="med" len="med"/>
+                    </a:lnB>
+                    <a:solidFill>
+                      <a:srgbClr val="F9F9F9"/>
+                    </a:solidFill>
+                  </a:tcPr>
+                </a:tc>
+                <a:tc>
+                  <a:txBody>
+                    <a:bodyPr/>
+                    <a:lstStyle/>
+                    <a:p>
+                      <a:pPr algn="l" fontAlgn="t"/>
+                      <a:r>
+                        <a:rPr lang="en-US" sz="1100">
+                          <a:effectLst/>
+                        </a:rPr>
+                        <a:t>Error message for format and size mismatch</a:t>
+                      </a:r>
+                    </a:p>
+                  </a:txBody>
+                  <a:tcPr marL="36876" marR="36876" marT="36876" marB="36876">
+                    <a:lnL w="12700" cap="flat" cmpd="sng" algn="ctr">
+                      <a:solidFill>
+                        <a:srgbClr val="B09794"/>
+                      </a:solidFill>
+                      <a:prstDash val="solid"/>
+                      <a:round/>
+                      <a:headEnd type="none" w="med" len="med"/>
+                      <a:tailEnd type="none" w="med" len="med"/>
+                    </a:lnL>
+                    <a:lnR w="12700" cap="flat" cmpd="sng" algn="ctr">
+                      <a:solidFill>
+                        <a:srgbClr val="B09494"/>
+                      </a:solidFill>
+                      <a:prstDash val="solid"/>
+                      <a:round/>
+                      <a:headEnd type="none" w="med" len="med"/>
+                      <a:tailEnd type="none" w="med" len="med"/>
+                    </a:lnR>
+                    <a:lnT w="7620" cap="flat" cmpd="sng" algn="ctr">
+                      <a:solidFill>
+                        <a:srgbClr val="DDDDDD"/>
+                      </a:solidFill>
+                      <a:prstDash val="solid"/>
+                      <a:round/>
+                      <a:headEnd type="none" w="med" len="med"/>
+                      <a:tailEnd type="none" w="med" len="med"/>
+                    </a:lnT>
+                    <a:lnB w="12700" cap="flat" cmpd="sng" algn="ctr">
+                      <a:solidFill>
+                        <a:srgbClr val="309494"/>
+                      </a:solidFill>
+                      <a:prstDash val="solid"/>
+                      <a:round/>
+                      <a:headEnd type="none" w="med" len="med"/>
+                      <a:tailEnd type="none" w="med" len="med"/>
+                    </a:lnB>
+                    <a:solidFill>
+                      <a:srgbClr val="F9F9F9"/>
+                    </a:solidFill>
+                  </a:tcPr>
+                </a:tc>
+                <a:tc>
+                  <a:txBody>
+                    <a:bodyPr/>
+                    <a:lstStyle/>
+                    <a:p>
+                      <a:pPr algn="l" fontAlgn="t"/>
+                      <a:r>
+                        <a:rPr lang="en-US" sz="1100" dirty="0">
+                          <a:effectLst/>
+                        </a:rPr>
+                        <a:t>Error message for format, size, and resolution mismatch</a:t>
+                      </a:r>
+                    </a:p>
+                  </a:txBody>
+                  <a:tcPr marL="36876" marR="36876" marT="36876" marB="36876">
+                    <a:lnL w="12700" cap="flat" cmpd="sng" algn="ctr">
+                      <a:solidFill>
+                        <a:srgbClr val="B09494"/>
+                      </a:solidFill>
+                      <a:prstDash val="solid"/>
+                      <a:round/>
+                      <a:headEnd type="none" w="med" len="med"/>
+                      <a:tailEnd type="none" w="med" len="med"/>
+                    </a:lnL>
+                    <a:lnR w="12700" cap="flat" cmpd="sng" algn="ctr">
+                      <a:solidFill>
+                        <a:srgbClr val="508994"/>
+                      </a:solidFill>
+                      <a:prstDash val="solid"/>
+                      <a:round/>
+                      <a:headEnd type="none" w="med" len="med"/>
+                      <a:tailEnd type="none" w="med" len="med"/>
+                    </a:lnR>
+                    <a:lnT w="7620" cap="flat" cmpd="sng" algn="ctr">
+                      <a:solidFill>
+                        <a:srgbClr val="DDDDDD"/>
+                      </a:solidFill>
+                      <a:prstDash val="solid"/>
+                      <a:round/>
+                      <a:headEnd type="none" w="med" len="med"/>
+                      <a:tailEnd type="none" w="med" len="med"/>
+                    </a:lnT>
+                    <a:lnB w="12700" cap="flat" cmpd="sng" algn="ctr">
+                      <a:solidFill>
+                        <a:srgbClr val="309994"/>
+                      </a:solidFill>
+                      <a:prstDash val="solid"/>
+                      <a:round/>
+                      <a:headEnd type="none" w="med" len="med"/>
+                      <a:tailEnd type="none" w="med" len="med"/>
+                    </a:lnB>
+                    <a:solidFill>
+                      <a:srgbClr val="F9F9F9"/>
+                    </a:solidFill>
+                  </a:tcPr>
+                </a:tc>
+                <a:extLst>
+                  <a:ext uri="{0D108BD9-81ED-4DB2-BD59-A6C34878D82A}">
+                    <a16:rowId xmlns:a16="http://schemas.microsoft.com/office/drawing/2014/main" val="2727702404"/>
+                  </a:ext>
+                </a:extLst>
+              </a:tr>
+            </a:tbl>
+          </a:graphicData>
+        </a:graphic>
+      </p:graphicFrame>
     </p:spTree>
     <p:extLst>
       <p:ext uri="{BB962C8B-B14F-4D97-AF65-F5344CB8AC3E}">
-        <p14:creationId xmlns:p14="http://schemas.microsoft.com/office/powerpoint/2010/main" val="3178811515"/>
+        <p14:creationId xmlns:p14="http://schemas.microsoft.com/office/powerpoint/2010/main" val="3751197575"/>
       </p:ext>
     </p:extLst>
   </p:cSld>
@@ -11454,6 +14164,136 @@
       </p:grpSpPr>
       <p:sp>
         <p:nvSpPr>
+          <p:cNvPr id="7" name="TextBox 6">
+            <a:extLst>
+              <a:ext uri="{FF2B5EF4-FFF2-40B4-BE49-F238E27FC236}">
+                <a16:creationId xmlns:a16="http://schemas.microsoft.com/office/drawing/2014/main" id="{ABB9D981-101C-4FFE-B539-FA663B67A90F}"/>
+              </a:ext>
+            </a:extLst>
+          </p:cNvPr>
+          <p:cNvSpPr txBox="1"/>
+          <p:nvPr/>
+        </p:nvSpPr>
+        <p:spPr>
+          <a:xfrm>
+            <a:off x="442982" y="1327145"/>
+            <a:ext cx="6094520" cy="2308324"/>
+          </a:xfrm>
+          <a:prstGeom prst="rect">
+            <a:avLst/>
+          </a:prstGeom>
+          <a:solidFill>
+            <a:srgbClr val="FFFF00"/>
+          </a:solidFill>
+        </p:spPr>
+        <p:txBody>
+          <a:bodyPr wrap="square">
+            <a:spAutoFit/>
+          </a:bodyPr>
+          <a:lstStyle/>
+          <a:p>
+            <a:r>
+              <a:rPr lang="en-US" dirty="0"/>
+              <a:t>Read 2 characters and depending on the values -&gt; print message</a:t>
+            </a:r>
+          </a:p>
+          <a:p>
+            <a:endParaRPr lang="en-US" dirty="0"/>
+          </a:p>
+          <a:p>
+            <a:r>
+              <a:rPr lang="en-US" dirty="0"/>
+              <a:t>C1 -&gt; "A" or "B"</a:t>
+            </a:r>
+          </a:p>
+          <a:p>
+            <a:r>
+              <a:rPr lang="en-US" dirty="0"/>
+              <a:t>C2 -&gt; [0-9]</a:t>
+            </a:r>
+          </a:p>
+          <a:p>
+            <a:r>
+              <a:rPr lang="en-US" dirty="0"/>
+              <a:t>C3 -&gt; If C1 and C2 true then FILE MUST BE UPDATED</a:t>
+            </a:r>
+          </a:p>
+          <a:p>
+            <a:r>
+              <a:rPr lang="en-US" dirty="0"/>
+              <a:t>C3 -&gt; If C1 is false -&gt; print XXXX</a:t>
+            </a:r>
+          </a:p>
+          <a:p>
+            <a:r>
+              <a:rPr lang="en-US" dirty="0"/>
+              <a:t>C4 -&gt; If C2 is false print YYYY</a:t>
+            </a:r>
+          </a:p>
+        </p:txBody>
+      </p:sp>
+      <p:pic>
+        <p:nvPicPr>
+          <p:cNvPr id="5" name="Picture 4">
+            <a:extLst>
+              <a:ext uri="{FF2B5EF4-FFF2-40B4-BE49-F238E27FC236}">
+                <a16:creationId xmlns:a16="http://schemas.microsoft.com/office/drawing/2014/main" id="{D8317043-69F5-499E-BF10-BA90DB56331D}"/>
+              </a:ext>
+            </a:extLst>
+          </p:cNvPr>
+          <p:cNvPicPr>
+            <a:picLocks noChangeAspect="1"/>
+          </p:cNvPicPr>
+          <p:nvPr/>
+        </p:nvPicPr>
+        <p:blipFill>
+          <a:blip r:embed="rId2"/>
+          <a:stretch>
+            <a:fillRect/>
+          </a:stretch>
+        </p:blipFill>
+        <p:spPr>
+          <a:xfrm>
+            <a:off x="6257693" y="552450"/>
+            <a:ext cx="5038725" cy="5753100"/>
+          </a:xfrm>
+          <a:prstGeom prst="rect">
+            <a:avLst/>
+          </a:prstGeom>
+        </p:spPr>
+      </p:pic>
+    </p:spTree>
+    <p:extLst>
+      <p:ext uri="{BB962C8B-B14F-4D97-AF65-F5344CB8AC3E}">
+        <p14:creationId xmlns:p14="http://schemas.microsoft.com/office/powerpoint/2010/main" val="3178811515"/>
+      </p:ext>
+    </p:extLst>
+  </p:cSld>
+  <p:clrMapOvr>
+    <a:masterClrMapping/>
+  </p:clrMapOvr>
+</p:sld>
+</file>
+
+<file path=ppt/slides/slide39.xml><?xml version="1.0" encoding="utf-8"?>
+<p:sld xmlns:a="http://schemas.openxmlformats.org/drawingml/2006/main" xmlns:r="http://schemas.openxmlformats.org/officeDocument/2006/relationships" xmlns:p="http://schemas.openxmlformats.org/presentationml/2006/main">
+  <p:cSld>
+    <p:spTree>
+      <p:nvGrpSpPr>
+        <p:cNvPr id="1" name=""/>
+        <p:cNvGrpSpPr/>
+        <p:nvPr/>
+      </p:nvGrpSpPr>
+      <p:grpSpPr>
+        <a:xfrm>
+          <a:off x="0" y="0"/>
+          <a:ext cx="0" cy="0"/>
+          <a:chOff x="0" y="0"/>
+          <a:chExt cx="0" cy="0"/>
+        </a:xfrm>
+      </p:grpSpPr>
+      <p:sp>
+        <p:nvSpPr>
           <p:cNvPr id="2" name="Title 1">
             <a:extLst>
               <a:ext uri="{FF2B5EF4-FFF2-40B4-BE49-F238E27FC236}">
@@ -11545,7 +14385,338 @@
 </p:sld>
 </file>
 
-<file path=ppt/slides/slide39.xml><?xml version="1.0" encoding="utf-8"?>
+<file path=ppt/slides/slide4.xml><?xml version="1.0" encoding="utf-8"?>
+<p:sld xmlns:a="http://schemas.openxmlformats.org/drawingml/2006/main" xmlns:r="http://schemas.openxmlformats.org/officeDocument/2006/relationships" xmlns:p="http://schemas.openxmlformats.org/presentationml/2006/main">
+  <p:cSld>
+    <p:spTree>
+      <p:nvGrpSpPr>
+        <p:cNvPr id="1" name=""/>
+        <p:cNvGrpSpPr/>
+        <p:nvPr/>
+      </p:nvGrpSpPr>
+      <p:grpSpPr>
+        <a:xfrm>
+          <a:off x="0" y="0"/>
+          <a:ext cx="0" cy="0"/>
+          <a:chOff x="0" y="0"/>
+          <a:chExt cx="0" cy="0"/>
+        </a:xfrm>
+      </p:grpSpPr>
+      <p:sp>
+        <p:nvSpPr>
+          <p:cNvPr id="2" name="Title 1"/>
+          <p:cNvSpPr>
+            <a:spLocks noGrp="1"/>
+          </p:cNvSpPr>
+          <p:nvPr>
+            <p:ph type="title"/>
+          </p:nvPr>
+        </p:nvSpPr>
+        <p:spPr/>
+        <p:txBody>
+          <a:bodyPr/>
+          <a:lstStyle/>
+          <a:p>
+            <a:r>
+              <a:rPr lang="en-US" dirty="0"/>
+              <a:t>White Box Testing Limitation example </a:t>
+            </a:r>
+          </a:p>
+        </p:txBody>
+      </p:sp>
+      <p:sp>
+        <p:nvSpPr>
+          <p:cNvPr id="3" name="Content Placeholder 2"/>
+          <p:cNvSpPr>
+            <a:spLocks noGrp="1"/>
+          </p:cNvSpPr>
+          <p:nvPr>
+            <p:ph idx="1"/>
+          </p:nvPr>
+        </p:nvSpPr>
+        <p:spPr/>
+        <p:txBody>
+          <a:bodyPr/>
+          <a:lstStyle/>
+          <a:p>
+            <a:endParaRPr lang="en-US"/>
+          </a:p>
+        </p:txBody>
+      </p:sp>
+      <p:sp>
+        <p:nvSpPr>
+          <p:cNvPr id="4" name="TextBox 3"/>
+          <p:cNvSpPr txBox="1"/>
+          <p:nvPr/>
+        </p:nvSpPr>
+        <p:spPr>
+          <a:xfrm>
+            <a:off x="1688306" y="3054880"/>
+            <a:ext cx="5119688" cy="1200329"/>
+          </a:xfrm>
+          <a:prstGeom prst="rect">
+            <a:avLst/>
+          </a:prstGeom>
+          <a:solidFill>
+            <a:srgbClr val="FFFF00"/>
+          </a:solidFill>
+        </p:spPr>
+        <p:txBody>
+          <a:bodyPr wrap="square" rtlCol="0">
+            <a:spAutoFit/>
+          </a:bodyPr>
+          <a:lstStyle/>
+          <a:p>
+            <a:r>
+              <a:rPr lang="en-US" sz="2400" dirty="0" err="1">
+                <a:latin typeface="Courier New" panose="02070309020205020404" pitchFamily="49" charset="0"/>
+                <a:cs typeface="Courier New" panose="02070309020205020404" pitchFamily="49" charset="0"/>
+              </a:rPr>
+              <a:t>def</a:t>
+            </a:r>
+            <a:r>
+              <a:rPr lang="en-US" sz="2400" dirty="0">
+                <a:latin typeface="Courier New" panose="02070309020205020404" pitchFamily="49" charset="0"/>
+                <a:cs typeface="Courier New" panose="02070309020205020404" pitchFamily="49" charset="0"/>
+              </a:rPr>
+              <a:t> </a:t>
+            </a:r>
+            <a:r>
+              <a:rPr lang="en-US" sz="2400" dirty="0" err="1">
+                <a:latin typeface="Courier New" panose="02070309020205020404" pitchFamily="49" charset="0"/>
+                <a:cs typeface="Courier New" panose="02070309020205020404" pitchFamily="49" charset="0"/>
+              </a:rPr>
+              <a:t>get_half</a:t>
+            </a:r>
+            <a:r>
+              <a:rPr lang="en-US" sz="2400" dirty="0">
+                <a:latin typeface="Courier New" panose="02070309020205020404" pitchFamily="49" charset="0"/>
+                <a:cs typeface="Courier New" panose="02070309020205020404" pitchFamily="49" charset="0"/>
+              </a:rPr>
+              <a:t>( n ): </a:t>
+            </a:r>
+          </a:p>
+          <a:p>
+            <a:r>
+              <a:rPr lang="en-US" sz="2400" dirty="0">
+                <a:latin typeface="Courier New" panose="02070309020205020404" pitchFamily="49" charset="0"/>
+                <a:cs typeface="Courier New" panose="02070309020205020404" pitchFamily="49" charset="0"/>
+              </a:rPr>
+              <a:t>	res = </a:t>
+            </a:r>
+            <a:r>
+              <a:rPr lang="en-US" sz="2400" dirty="0" err="1">
+                <a:latin typeface="Courier New" panose="02070309020205020404" pitchFamily="49" charset="0"/>
+                <a:cs typeface="Courier New" panose="02070309020205020404" pitchFamily="49" charset="0"/>
+              </a:rPr>
+              <a:t>int</a:t>
+            </a:r>
+            <a:r>
+              <a:rPr lang="en-US" sz="2400" dirty="0">
+                <a:latin typeface="Courier New" panose="02070309020205020404" pitchFamily="49" charset="0"/>
+                <a:cs typeface="Courier New" panose="02070309020205020404" pitchFamily="49" charset="0"/>
+              </a:rPr>
+              <a:t>(n/2)</a:t>
+            </a:r>
+          </a:p>
+          <a:p>
+            <a:r>
+              <a:rPr lang="en-US" sz="2400" dirty="0">
+                <a:latin typeface="Courier New" panose="02070309020205020404" pitchFamily="49" charset="0"/>
+                <a:cs typeface="Courier New" panose="02070309020205020404" pitchFamily="49" charset="0"/>
+              </a:rPr>
+              <a:t>   return res    </a:t>
+            </a:r>
+          </a:p>
+        </p:txBody>
+      </p:sp>
+      <p:sp>
+        <p:nvSpPr>
+          <p:cNvPr id="5" name="TextBox 4"/>
+          <p:cNvSpPr txBox="1"/>
+          <p:nvPr/>
+        </p:nvSpPr>
+        <p:spPr>
+          <a:xfrm>
+            <a:off x="7843838" y="2333456"/>
+            <a:ext cx="3940123" cy="1200329"/>
+          </a:xfrm>
+          <a:prstGeom prst="rect">
+            <a:avLst/>
+          </a:prstGeom>
+          <a:solidFill>
+            <a:schemeClr val="tx2">
+              <a:lumMod val="40000"/>
+              <a:lumOff val="60000"/>
+            </a:schemeClr>
+          </a:solidFill>
+        </p:spPr>
+        <p:txBody>
+          <a:bodyPr wrap="square" rtlCol="0">
+            <a:spAutoFit/>
+          </a:bodyPr>
+          <a:lstStyle/>
+          <a:p>
+            <a:r>
+              <a:rPr lang="en-US" sz="2400" dirty="0"/>
+              <a:t>Developer takes </a:t>
+            </a:r>
+            <a:r>
+              <a:rPr lang="en-US" sz="2400" dirty="0" err="1"/>
+              <a:t>int</a:t>
+            </a:r>
+            <a:r>
+              <a:rPr lang="en-US" sz="2400" dirty="0"/>
+              <a:t> of n and therefore does not work for odd numbers correctly</a:t>
+            </a:r>
+          </a:p>
+        </p:txBody>
+      </p:sp>
+      <p:cxnSp>
+        <p:nvCxnSpPr>
+          <p:cNvPr id="6" name="Straight Arrow Connector 5"/>
+          <p:cNvCxnSpPr/>
+          <p:nvPr/>
+        </p:nvCxnSpPr>
+        <p:spPr>
+          <a:xfrm flipH="1">
+            <a:off x="4896465" y="3157538"/>
+            <a:ext cx="3175973" cy="497506"/>
+          </a:xfrm>
+          <a:prstGeom prst="straightConnector1">
+            <a:avLst/>
+          </a:prstGeom>
+          <a:ln>
+            <a:tailEnd type="triangle"/>
+          </a:ln>
+        </p:spPr>
+        <p:style>
+          <a:lnRef idx="1">
+            <a:schemeClr val="accent1"/>
+          </a:lnRef>
+          <a:fillRef idx="0">
+            <a:schemeClr val="accent1"/>
+          </a:fillRef>
+          <a:effectRef idx="0">
+            <a:schemeClr val="accent1"/>
+          </a:effectRef>
+          <a:fontRef idx="minor">
+            <a:schemeClr val="tx1"/>
+          </a:fontRef>
+        </p:style>
+      </p:cxnSp>
+      <p:sp>
+        <p:nvSpPr>
+          <p:cNvPr id="7" name="TextBox 6"/>
+          <p:cNvSpPr txBox="1"/>
+          <p:nvPr/>
+        </p:nvSpPr>
+        <p:spPr>
+          <a:xfrm>
+            <a:off x="285750" y="1502459"/>
+            <a:ext cx="10692351" cy="830997"/>
+          </a:xfrm>
+          <a:prstGeom prst="rect">
+            <a:avLst/>
+          </a:prstGeom>
+          <a:solidFill>
+            <a:srgbClr val="FFFF00"/>
+          </a:solidFill>
+        </p:spPr>
+        <p:txBody>
+          <a:bodyPr wrap="none" rtlCol="0">
+            <a:spAutoFit/>
+          </a:bodyPr>
+          <a:lstStyle/>
+          <a:p>
+            <a:r>
+              <a:rPr lang="en-US" sz="2400" dirty="0"/>
+              <a:t>Module Specification: </a:t>
+            </a:r>
+          </a:p>
+          <a:p>
+            <a:r>
+              <a:rPr lang="en-US" sz="2400" dirty="0">
+                <a:latin typeface="Courier New" panose="02070309020205020404" pitchFamily="49" charset="0"/>
+                <a:cs typeface="Courier New" panose="02070309020205020404" pitchFamily="49" charset="0"/>
+              </a:rPr>
+              <a:t>Specification: input an integer and return ½ of its value</a:t>
+            </a:r>
+          </a:p>
+        </p:txBody>
+      </p:sp>
+      <p:sp>
+        <p:nvSpPr>
+          <p:cNvPr id="9" name="TextBox 8"/>
+          <p:cNvSpPr txBox="1"/>
+          <p:nvPr/>
+        </p:nvSpPr>
+        <p:spPr>
+          <a:xfrm>
+            <a:off x="3372464" y="4783350"/>
+            <a:ext cx="5447071" cy="1569660"/>
+          </a:xfrm>
+          <a:prstGeom prst="rect">
+            <a:avLst/>
+          </a:prstGeom>
+          <a:solidFill>
+            <a:schemeClr val="tx2">
+              <a:lumMod val="40000"/>
+              <a:lumOff val="60000"/>
+            </a:schemeClr>
+          </a:solidFill>
+        </p:spPr>
+        <p:txBody>
+          <a:bodyPr wrap="square" rtlCol="0">
+            <a:spAutoFit/>
+          </a:bodyPr>
+          <a:lstStyle/>
+          <a:p>
+            <a:r>
+              <a:rPr lang="en-US" sz="2400" dirty="0"/>
+              <a:t>White box testing doesn’t look at spec … </a:t>
+            </a:r>
+          </a:p>
+          <a:p>
+            <a:pPr marL="342900" indent="-342900">
+              <a:buFontTx/>
+              <a:buChar char="-"/>
+            </a:pPr>
+            <a:r>
+              <a:rPr lang="en-US" sz="2400" dirty="0"/>
+              <a:t>*any* input can exercise the code </a:t>
+            </a:r>
+          </a:p>
+          <a:p>
+            <a:pPr marL="342900" indent="-342900">
+              <a:buFontTx/>
+              <a:buChar char="-"/>
+            </a:pPr>
+            <a:r>
+              <a:rPr lang="en-US" sz="2400" dirty="0" err="1"/>
+              <a:t>Blackbox</a:t>
+            </a:r>
+            <a:r>
+              <a:rPr lang="en-US" sz="2400" dirty="0"/>
+              <a:t> would specifically select even and odd numbers</a:t>
+            </a:r>
+          </a:p>
+        </p:txBody>
+      </p:sp>
+    </p:spTree>
+    <p:extLst>
+      <p:ext uri="{BB962C8B-B14F-4D97-AF65-F5344CB8AC3E}">
+        <p14:creationId xmlns:p14="http://schemas.microsoft.com/office/powerpoint/2010/main" val="1343110682"/>
+      </p:ext>
+    </p:extLst>
+  </p:cSld>
+  <p:clrMapOvr>
+    <a:masterClrMapping/>
+  </p:clrMapOvr>
+</p:sld>
+</file>
+
+<file path=ppt/slides/slide40.xml><?xml version="1.0" encoding="utf-8"?>
 <p:sld xmlns:a="http://schemas.openxmlformats.org/drawingml/2006/main" xmlns:r="http://schemas.openxmlformats.org/officeDocument/2006/relationships" xmlns:p="http://schemas.openxmlformats.org/presentationml/2006/main">
   <p:cSld>
     <p:spTree>
@@ -14388,602 +17559,6 @@
 </p:sld>
 </file>
 
-<file path=ppt/slides/slide4.xml><?xml version="1.0" encoding="utf-8"?>
-<p:sld xmlns:a="http://schemas.openxmlformats.org/drawingml/2006/main" xmlns:r="http://schemas.openxmlformats.org/officeDocument/2006/relationships" xmlns:p="http://schemas.openxmlformats.org/presentationml/2006/main">
-  <p:cSld>
-    <p:spTree>
-      <p:nvGrpSpPr>
-        <p:cNvPr id="1" name=""/>
-        <p:cNvGrpSpPr/>
-        <p:nvPr/>
-      </p:nvGrpSpPr>
-      <p:grpSpPr>
-        <a:xfrm>
-          <a:off x="0" y="0"/>
-          <a:ext cx="0" cy="0"/>
-          <a:chOff x="0" y="0"/>
-          <a:chExt cx="0" cy="0"/>
-        </a:xfrm>
-      </p:grpSpPr>
-      <p:sp>
-        <p:nvSpPr>
-          <p:cNvPr id="2" name="Title 1"/>
-          <p:cNvSpPr>
-            <a:spLocks noGrp="1"/>
-          </p:cNvSpPr>
-          <p:nvPr>
-            <p:ph type="title"/>
-          </p:nvPr>
-        </p:nvSpPr>
-        <p:spPr/>
-        <p:txBody>
-          <a:bodyPr/>
-          <a:lstStyle/>
-          <a:p>
-            <a:r>
-              <a:rPr lang="en-US" dirty="0"/>
-              <a:t>White Box Testing Limitation example </a:t>
-            </a:r>
-          </a:p>
-        </p:txBody>
-      </p:sp>
-      <p:sp>
-        <p:nvSpPr>
-          <p:cNvPr id="3" name="Content Placeholder 2"/>
-          <p:cNvSpPr>
-            <a:spLocks noGrp="1"/>
-          </p:cNvSpPr>
-          <p:nvPr>
-            <p:ph idx="1"/>
-          </p:nvPr>
-        </p:nvSpPr>
-        <p:spPr/>
-        <p:txBody>
-          <a:bodyPr/>
-          <a:lstStyle/>
-          <a:p>
-            <a:endParaRPr lang="en-US"/>
-          </a:p>
-        </p:txBody>
-      </p:sp>
-      <p:sp>
-        <p:nvSpPr>
-          <p:cNvPr id="4" name="TextBox 3"/>
-          <p:cNvSpPr txBox="1"/>
-          <p:nvPr/>
-        </p:nvSpPr>
-        <p:spPr>
-          <a:xfrm>
-            <a:off x="1688306" y="3054880"/>
-            <a:ext cx="5119688" cy="1200329"/>
-          </a:xfrm>
-          <a:prstGeom prst="rect">
-            <a:avLst/>
-          </a:prstGeom>
-          <a:solidFill>
-            <a:srgbClr val="FFFF00"/>
-          </a:solidFill>
-        </p:spPr>
-        <p:txBody>
-          <a:bodyPr wrap="square" rtlCol="0">
-            <a:spAutoFit/>
-          </a:bodyPr>
-          <a:lstStyle/>
-          <a:p>
-            <a:r>
-              <a:rPr lang="en-US" sz="2400" dirty="0" err="1">
-                <a:latin typeface="Courier New" panose="02070309020205020404" pitchFamily="49" charset="0"/>
-                <a:cs typeface="Courier New" panose="02070309020205020404" pitchFamily="49" charset="0"/>
-              </a:rPr>
-              <a:t>def</a:t>
-            </a:r>
-            <a:r>
-              <a:rPr lang="en-US" sz="2400" dirty="0">
-                <a:latin typeface="Courier New" panose="02070309020205020404" pitchFamily="49" charset="0"/>
-                <a:cs typeface="Courier New" panose="02070309020205020404" pitchFamily="49" charset="0"/>
-              </a:rPr>
-              <a:t> </a:t>
-            </a:r>
-            <a:r>
-              <a:rPr lang="en-US" sz="2400" dirty="0" err="1">
-                <a:latin typeface="Courier New" panose="02070309020205020404" pitchFamily="49" charset="0"/>
-                <a:cs typeface="Courier New" panose="02070309020205020404" pitchFamily="49" charset="0"/>
-              </a:rPr>
-              <a:t>get_half</a:t>
-            </a:r>
-            <a:r>
-              <a:rPr lang="en-US" sz="2400" dirty="0">
-                <a:latin typeface="Courier New" panose="02070309020205020404" pitchFamily="49" charset="0"/>
-                <a:cs typeface="Courier New" panose="02070309020205020404" pitchFamily="49" charset="0"/>
-              </a:rPr>
-              <a:t>( n ): </a:t>
-            </a:r>
-          </a:p>
-          <a:p>
-            <a:r>
-              <a:rPr lang="en-US" sz="2400" dirty="0">
-                <a:latin typeface="Courier New" panose="02070309020205020404" pitchFamily="49" charset="0"/>
-                <a:cs typeface="Courier New" panose="02070309020205020404" pitchFamily="49" charset="0"/>
-              </a:rPr>
-              <a:t>	res = </a:t>
-            </a:r>
-            <a:r>
-              <a:rPr lang="en-US" sz="2400" dirty="0" err="1">
-                <a:latin typeface="Courier New" panose="02070309020205020404" pitchFamily="49" charset="0"/>
-                <a:cs typeface="Courier New" panose="02070309020205020404" pitchFamily="49" charset="0"/>
-              </a:rPr>
-              <a:t>int</a:t>
-            </a:r>
-            <a:r>
-              <a:rPr lang="en-US" sz="2400" dirty="0">
-                <a:latin typeface="Courier New" panose="02070309020205020404" pitchFamily="49" charset="0"/>
-                <a:cs typeface="Courier New" panose="02070309020205020404" pitchFamily="49" charset="0"/>
-              </a:rPr>
-              <a:t>(n/2)</a:t>
-            </a:r>
-          </a:p>
-          <a:p>
-            <a:r>
-              <a:rPr lang="en-US" sz="2400" dirty="0">
-                <a:latin typeface="Courier New" panose="02070309020205020404" pitchFamily="49" charset="0"/>
-                <a:cs typeface="Courier New" panose="02070309020205020404" pitchFamily="49" charset="0"/>
-              </a:rPr>
-              <a:t>   return res    </a:t>
-            </a:r>
-          </a:p>
-        </p:txBody>
-      </p:sp>
-      <p:sp>
-        <p:nvSpPr>
-          <p:cNvPr id="5" name="TextBox 4"/>
-          <p:cNvSpPr txBox="1"/>
-          <p:nvPr/>
-        </p:nvSpPr>
-        <p:spPr>
-          <a:xfrm>
-            <a:off x="7843838" y="2333456"/>
-            <a:ext cx="3940123" cy="1200329"/>
-          </a:xfrm>
-          <a:prstGeom prst="rect">
-            <a:avLst/>
-          </a:prstGeom>
-          <a:solidFill>
-            <a:schemeClr val="tx2">
-              <a:lumMod val="40000"/>
-              <a:lumOff val="60000"/>
-            </a:schemeClr>
-          </a:solidFill>
-        </p:spPr>
-        <p:txBody>
-          <a:bodyPr wrap="square" rtlCol="0">
-            <a:spAutoFit/>
-          </a:bodyPr>
-          <a:lstStyle/>
-          <a:p>
-            <a:r>
-              <a:rPr lang="en-US" sz="2400" dirty="0"/>
-              <a:t>Developer takes </a:t>
-            </a:r>
-            <a:r>
-              <a:rPr lang="en-US" sz="2400" dirty="0" err="1"/>
-              <a:t>int</a:t>
-            </a:r>
-            <a:r>
-              <a:rPr lang="en-US" sz="2400" dirty="0"/>
-              <a:t> of n and therefore does not work for odd numbers correctly</a:t>
-            </a:r>
-          </a:p>
-        </p:txBody>
-      </p:sp>
-      <p:cxnSp>
-        <p:nvCxnSpPr>
-          <p:cNvPr id="6" name="Straight Arrow Connector 5"/>
-          <p:cNvCxnSpPr/>
-          <p:nvPr/>
-        </p:nvCxnSpPr>
-        <p:spPr>
-          <a:xfrm flipH="1">
-            <a:off x="4896465" y="3157538"/>
-            <a:ext cx="3175973" cy="497506"/>
-          </a:xfrm>
-          <a:prstGeom prst="straightConnector1">
-            <a:avLst/>
-          </a:prstGeom>
-          <a:ln>
-            <a:tailEnd type="triangle"/>
-          </a:ln>
-        </p:spPr>
-        <p:style>
-          <a:lnRef idx="1">
-            <a:schemeClr val="accent1"/>
-          </a:lnRef>
-          <a:fillRef idx="0">
-            <a:schemeClr val="accent1"/>
-          </a:fillRef>
-          <a:effectRef idx="0">
-            <a:schemeClr val="accent1"/>
-          </a:effectRef>
-          <a:fontRef idx="minor">
-            <a:schemeClr val="tx1"/>
-          </a:fontRef>
-        </p:style>
-      </p:cxnSp>
-      <p:sp>
-        <p:nvSpPr>
-          <p:cNvPr id="7" name="TextBox 6"/>
-          <p:cNvSpPr txBox="1"/>
-          <p:nvPr/>
-        </p:nvSpPr>
-        <p:spPr>
-          <a:xfrm>
-            <a:off x="285750" y="1502459"/>
-            <a:ext cx="10692351" cy="830997"/>
-          </a:xfrm>
-          <a:prstGeom prst="rect">
-            <a:avLst/>
-          </a:prstGeom>
-          <a:solidFill>
-            <a:srgbClr val="FFFF00"/>
-          </a:solidFill>
-        </p:spPr>
-        <p:txBody>
-          <a:bodyPr wrap="none" rtlCol="0">
-            <a:spAutoFit/>
-          </a:bodyPr>
-          <a:lstStyle/>
-          <a:p>
-            <a:r>
-              <a:rPr lang="en-US" sz="2400" dirty="0"/>
-              <a:t>Module Specification: </a:t>
-            </a:r>
-          </a:p>
-          <a:p>
-            <a:r>
-              <a:rPr lang="en-US" sz="2400" dirty="0">
-                <a:latin typeface="Courier New" panose="02070309020205020404" pitchFamily="49" charset="0"/>
-                <a:cs typeface="Courier New" panose="02070309020205020404" pitchFamily="49" charset="0"/>
-              </a:rPr>
-              <a:t>Specification: input an integer and return ½ of its value</a:t>
-            </a:r>
-          </a:p>
-        </p:txBody>
-      </p:sp>
-      <p:sp>
-        <p:nvSpPr>
-          <p:cNvPr id="9" name="TextBox 8"/>
-          <p:cNvSpPr txBox="1"/>
-          <p:nvPr/>
-        </p:nvSpPr>
-        <p:spPr>
-          <a:xfrm>
-            <a:off x="3372464" y="4783350"/>
-            <a:ext cx="5447071" cy="1569660"/>
-          </a:xfrm>
-          <a:prstGeom prst="rect">
-            <a:avLst/>
-          </a:prstGeom>
-          <a:solidFill>
-            <a:schemeClr val="tx2">
-              <a:lumMod val="40000"/>
-              <a:lumOff val="60000"/>
-            </a:schemeClr>
-          </a:solidFill>
-        </p:spPr>
-        <p:txBody>
-          <a:bodyPr wrap="square" rtlCol="0">
-            <a:spAutoFit/>
-          </a:bodyPr>
-          <a:lstStyle/>
-          <a:p>
-            <a:r>
-              <a:rPr lang="en-US" sz="2400" dirty="0"/>
-              <a:t>White box testing doesn’t look at spec … </a:t>
-            </a:r>
-          </a:p>
-          <a:p>
-            <a:pPr marL="342900" indent="-342900">
-              <a:buFontTx/>
-              <a:buChar char="-"/>
-            </a:pPr>
-            <a:r>
-              <a:rPr lang="en-US" sz="2400" dirty="0"/>
-              <a:t>*any* input can exercise the code </a:t>
-            </a:r>
-          </a:p>
-          <a:p>
-            <a:pPr marL="342900" indent="-342900">
-              <a:buFontTx/>
-              <a:buChar char="-"/>
-            </a:pPr>
-            <a:r>
-              <a:rPr lang="en-US" sz="2400" dirty="0" err="1"/>
-              <a:t>Blackbox</a:t>
-            </a:r>
-            <a:r>
-              <a:rPr lang="en-US" sz="2400" dirty="0"/>
-              <a:t> would specifically select even and odd numbers</a:t>
-            </a:r>
-          </a:p>
-        </p:txBody>
-      </p:sp>
-    </p:spTree>
-    <p:extLst>
-      <p:ext uri="{BB962C8B-B14F-4D97-AF65-F5344CB8AC3E}">
-        <p14:creationId xmlns:p14="http://schemas.microsoft.com/office/powerpoint/2010/main" val="1343110682"/>
-      </p:ext>
-    </p:extLst>
-  </p:cSld>
-  <p:clrMapOvr>
-    <a:masterClrMapping/>
-  </p:clrMapOvr>
-</p:sld>
-</file>
-
-<file path=ppt/slides/slide40.xml><?xml version="1.0" encoding="utf-8"?>
-<p:sld xmlns:a="http://schemas.openxmlformats.org/drawingml/2006/main" xmlns:r="http://schemas.openxmlformats.org/officeDocument/2006/relationships" xmlns:p="http://schemas.openxmlformats.org/presentationml/2006/main">
-  <p:cSld>
-    <p:spTree>
-      <p:nvGrpSpPr>
-        <p:cNvPr id="1" name=""/>
-        <p:cNvGrpSpPr/>
-        <p:nvPr/>
-      </p:nvGrpSpPr>
-      <p:grpSpPr>
-        <a:xfrm>
-          <a:off x="0" y="0"/>
-          <a:ext cx="0" cy="0"/>
-          <a:chOff x="0" y="0"/>
-          <a:chExt cx="0" cy="0"/>
-        </a:xfrm>
-      </p:grpSpPr>
-      <p:sp>
-        <p:nvSpPr>
-          <p:cNvPr id="5" name="TextBox 4">
-            <a:extLst>
-              <a:ext uri="{FF2B5EF4-FFF2-40B4-BE49-F238E27FC236}">
-                <a16:creationId xmlns:a16="http://schemas.microsoft.com/office/drawing/2014/main" id="{38AF98EA-F9D9-4936-A99A-9C7AD4DC4178}"/>
-              </a:ext>
-            </a:extLst>
-          </p:cNvPr>
-          <p:cNvSpPr txBox="1"/>
-          <p:nvPr/>
-        </p:nvSpPr>
-        <p:spPr>
-          <a:xfrm>
-            <a:off x="312937" y="834501"/>
-            <a:ext cx="11210278" cy="5355312"/>
-          </a:xfrm>
-          <a:prstGeom prst="rect">
-            <a:avLst/>
-          </a:prstGeom>
-          <a:noFill/>
-        </p:spPr>
-        <p:txBody>
-          <a:bodyPr wrap="square">
-            <a:spAutoFit/>
-          </a:bodyPr>
-          <a:lstStyle/>
-          <a:p>
-            <a:r>
-              <a:rPr lang="en-US" dirty="0"/>
-              <a:t>Some people -&gt; a knack for sniffing out errors. </a:t>
-            </a:r>
-          </a:p>
-          <a:p>
-            <a:endParaRPr lang="en-US" dirty="0"/>
-          </a:p>
-          <a:p>
-            <a:r>
-              <a:rPr lang="en-US" dirty="0"/>
-              <a:t>Given a particular program, they surmise—both by intuition and experience—certain probable types of errors and then write test cases to expose those errors. </a:t>
-            </a:r>
-          </a:p>
-          <a:p>
-            <a:endParaRPr lang="en-US" dirty="0"/>
-          </a:p>
-          <a:p>
-            <a:r>
-              <a:rPr lang="en-US" dirty="0"/>
-              <a:t>Idea -&gt; make possible errors or error-prone situations and then write test cases based on the list.</a:t>
-            </a:r>
-          </a:p>
-          <a:p>
-            <a:endParaRPr lang="en-US" dirty="0"/>
-          </a:p>
-          <a:p>
-            <a:r>
-              <a:rPr lang="en-US" dirty="0" err="1"/>
-              <a:t>E..g</a:t>
-            </a:r>
-            <a:r>
-              <a:rPr lang="en-US" dirty="0"/>
-              <a:t>, the value 0, </a:t>
-            </a:r>
-          </a:p>
-          <a:p>
-            <a:r>
-              <a:rPr lang="en-US" dirty="0"/>
-              <a:t>   try it with empty input       </a:t>
-            </a:r>
-          </a:p>
-          <a:p>
-            <a:endParaRPr lang="en-US" dirty="0"/>
-          </a:p>
-          <a:p>
-            <a:r>
-              <a:rPr lang="en-US" dirty="0"/>
-              <a:t>   review specification look for gaps or possible misunderstandings</a:t>
-            </a:r>
-          </a:p>
-          <a:p>
-            <a:endParaRPr lang="en-US" dirty="0"/>
-          </a:p>
-          <a:p>
-            <a:r>
-              <a:rPr lang="en-US" dirty="0"/>
-              <a:t>E.g., testing a sorting subroutine,</a:t>
-            </a:r>
-          </a:p>
-          <a:p>
-            <a:r>
-              <a:rPr lang="en-US" dirty="0"/>
-              <a:t>           - The input list is empty. </a:t>
-            </a:r>
-          </a:p>
-          <a:p>
-            <a:r>
-              <a:rPr lang="en-US" dirty="0"/>
-              <a:t>           - The input list contains one entry. </a:t>
-            </a:r>
-          </a:p>
-          <a:p>
-            <a:r>
-              <a:rPr lang="en-US" dirty="0"/>
-              <a:t>           -   All entries in the input list have the same value.</a:t>
-            </a:r>
-          </a:p>
-          <a:p>
-            <a:r>
-              <a:rPr lang="en-US" dirty="0"/>
-              <a:t>           -  The input list is already sorted</a:t>
-            </a:r>
-          </a:p>
-          <a:p>
-            <a:endParaRPr lang="en-US" dirty="0"/>
-          </a:p>
-          <a:p>
-            <a:r>
-              <a:rPr lang="en-US" dirty="0"/>
-              <a:t> </a:t>
-            </a:r>
-          </a:p>
-        </p:txBody>
-      </p:sp>
-      <p:sp>
-        <p:nvSpPr>
-          <p:cNvPr id="9" name="TextBox 8">
-            <a:extLst>
-              <a:ext uri="{FF2B5EF4-FFF2-40B4-BE49-F238E27FC236}">
-                <a16:creationId xmlns:a16="http://schemas.microsoft.com/office/drawing/2014/main" id="{53B93A90-3D87-410C-8CAF-9F33F0416006}"/>
-              </a:ext>
-            </a:extLst>
-          </p:cNvPr>
-          <p:cNvSpPr txBox="1"/>
-          <p:nvPr/>
-        </p:nvSpPr>
-        <p:spPr>
-          <a:xfrm>
-            <a:off x="827842" y="68347"/>
-            <a:ext cx="6094520" cy="584775"/>
-          </a:xfrm>
-          <a:prstGeom prst="rect">
-            <a:avLst/>
-          </a:prstGeom>
-          <a:noFill/>
-        </p:spPr>
-        <p:txBody>
-          <a:bodyPr wrap="square">
-            <a:spAutoFit/>
-          </a:bodyPr>
-          <a:lstStyle/>
-          <a:p>
-            <a:r>
-              <a:rPr lang="en-US" sz="3200" dirty="0"/>
-              <a:t>Error Guessing </a:t>
-            </a:r>
-          </a:p>
-        </p:txBody>
-      </p:sp>
-      <p:sp>
-        <p:nvSpPr>
-          <p:cNvPr id="10" name="TextBox 9">
-            <a:extLst>
-              <a:ext uri="{FF2B5EF4-FFF2-40B4-BE49-F238E27FC236}">
-                <a16:creationId xmlns:a16="http://schemas.microsoft.com/office/drawing/2014/main" id="{E95D39E6-9AD1-47A8-8982-75BAAA07E4B2}"/>
-              </a:ext>
-            </a:extLst>
-          </p:cNvPr>
-          <p:cNvSpPr txBox="1"/>
-          <p:nvPr/>
-        </p:nvSpPr>
-        <p:spPr>
-          <a:xfrm>
-            <a:off x="2451138" y="2760955"/>
-            <a:ext cx="4471224" cy="369332"/>
-          </a:xfrm>
-          <a:prstGeom prst="rect">
-            <a:avLst/>
-          </a:prstGeom>
-          <a:solidFill>
-            <a:schemeClr val="accent1">
-              <a:lumMod val="20000"/>
-              <a:lumOff val="80000"/>
-            </a:schemeClr>
-          </a:solidFill>
-        </p:spPr>
-        <p:txBody>
-          <a:bodyPr wrap="none" rtlCol="0">
-            <a:spAutoFit/>
-          </a:bodyPr>
-          <a:lstStyle/>
-          <a:p>
-            <a:r>
-              <a:rPr lang="en-US" dirty="0"/>
-              <a:t>Enter Number of records: ________________</a:t>
-            </a:r>
-          </a:p>
-        </p:txBody>
-      </p:sp>
-      <p:sp>
-        <p:nvSpPr>
-          <p:cNvPr id="12" name="TextBox 11">
-            <a:extLst>
-              <a:ext uri="{FF2B5EF4-FFF2-40B4-BE49-F238E27FC236}">
-                <a16:creationId xmlns:a16="http://schemas.microsoft.com/office/drawing/2014/main" id="{C4DE47E3-BFB6-431A-9EA5-D5AF5372E280}"/>
-              </a:ext>
-            </a:extLst>
-          </p:cNvPr>
-          <p:cNvSpPr txBox="1"/>
-          <p:nvPr/>
-        </p:nvSpPr>
-        <p:spPr>
-          <a:xfrm>
-            <a:off x="5541885" y="4250820"/>
-            <a:ext cx="6094520" cy="646331"/>
-          </a:xfrm>
-          <a:prstGeom prst="rect">
-            <a:avLst/>
-          </a:prstGeom>
-          <a:solidFill>
-            <a:srgbClr val="FFFF00"/>
-          </a:solidFill>
-        </p:spPr>
-        <p:txBody>
-          <a:bodyPr wrap="square">
-            <a:spAutoFit/>
-          </a:bodyPr>
-          <a:lstStyle/>
-          <a:p>
-            <a:r>
-              <a:rPr lang="en-US" dirty="0"/>
-              <a:t>In other words, you enumerate those special cases that may have been overlooked when the program was designed</a:t>
-            </a:r>
-          </a:p>
-        </p:txBody>
-      </p:sp>
-    </p:spTree>
-    <p:extLst>
-      <p:ext uri="{BB962C8B-B14F-4D97-AF65-F5344CB8AC3E}">
-        <p14:creationId xmlns:p14="http://schemas.microsoft.com/office/powerpoint/2010/main" val="1610183958"/>
-      </p:ext>
-    </p:extLst>
-  </p:cSld>
-  <p:clrMapOvr>
-    <a:masterClrMapping/>
-  </p:clrMapOvr>
-</p:sld>
-</file>
-
 <file path=ppt/slides/slide41.xml><?xml version="1.0" encoding="utf-8"?>
 <p:sld xmlns:a="http://schemas.openxmlformats.org/drawingml/2006/main" xmlns:r="http://schemas.openxmlformats.org/officeDocument/2006/relationships" xmlns:p="http://schemas.openxmlformats.org/presentationml/2006/main">
   <p:cSld>
@@ -15006,6 +17581,271 @@
           <p:cNvPr id="5" name="TextBox 4">
             <a:extLst>
               <a:ext uri="{FF2B5EF4-FFF2-40B4-BE49-F238E27FC236}">
+                <a16:creationId xmlns:a16="http://schemas.microsoft.com/office/drawing/2014/main" id="{38AF98EA-F9D9-4936-A99A-9C7AD4DC4178}"/>
+              </a:ext>
+            </a:extLst>
+          </p:cNvPr>
+          <p:cNvSpPr txBox="1"/>
+          <p:nvPr/>
+        </p:nvSpPr>
+        <p:spPr>
+          <a:xfrm>
+            <a:off x="312937" y="834501"/>
+            <a:ext cx="11210278" cy="5355312"/>
+          </a:xfrm>
+          <a:prstGeom prst="rect">
+            <a:avLst/>
+          </a:prstGeom>
+          <a:noFill/>
+        </p:spPr>
+        <p:txBody>
+          <a:bodyPr wrap="square">
+            <a:spAutoFit/>
+          </a:bodyPr>
+          <a:lstStyle/>
+          <a:p>
+            <a:r>
+              <a:rPr lang="en-US" dirty="0"/>
+              <a:t>Some people -&gt; a knack for sniffing out errors. </a:t>
+            </a:r>
+          </a:p>
+          <a:p>
+            <a:endParaRPr lang="en-US" dirty="0"/>
+          </a:p>
+          <a:p>
+            <a:r>
+              <a:rPr lang="en-US" dirty="0"/>
+              <a:t>Given a particular program, they surmise—both by intuition and experience—certain probable types of errors and then write test cases to expose those errors. </a:t>
+            </a:r>
+          </a:p>
+          <a:p>
+            <a:endParaRPr lang="en-US" dirty="0"/>
+          </a:p>
+          <a:p>
+            <a:r>
+              <a:rPr lang="en-US" dirty="0"/>
+              <a:t>Idea -&gt; make possible errors or error-prone situations and then write test cases based on the list.</a:t>
+            </a:r>
+          </a:p>
+          <a:p>
+            <a:endParaRPr lang="en-US" dirty="0"/>
+          </a:p>
+          <a:p>
+            <a:r>
+              <a:rPr lang="en-US" dirty="0" err="1"/>
+              <a:t>E..g</a:t>
+            </a:r>
+            <a:r>
+              <a:rPr lang="en-US" dirty="0"/>
+              <a:t>, the value 0, </a:t>
+            </a:r>
+          </a:p>
+          <a:p>
+            <a:r>
+              <a:rPr lang="en-US" dirty="0"/>
+              <a:t>   try it with empty input       </a:t>
+            </a:r>
+          </a:p>
+          <a:p>
+            <a:endParaRPr lang="en-US" dirty="0"/>
+          </a:p>
+          <a:p>
+            <a:r>
+              <a:rPr lang="en-US" dirty="0"/>
+              <a:t>   review specification look for gaps or possible misunderstandings</a:t>
+            </a:r>
+          </a:p>
+          <a:p>
+            <a:endParaRPr lang="en-US" dirty="0"/>
+          </a:p>
+          <a:p>
+            <a:r>
+              <a:rPr lang="en-US" dirty="0"/>
+              <a:t>E.g., testing a sorting subroutine,</a:t>
+            </a:r>
+          </a:p>
+          <a:p>
+            <a:r>
+              <a:rPr lang="en-US" dirty="0"/>
+              <a:t>           - The input list is empty. </a:t>
+            </a:r>
+          </a:p>
+          <a:p>
+            <a:r>
+              <a:rPr lang="en-US" dirty="0"/>
+              <a:t>           - The input list contains one entry. </a:t>
+            </a:r>
+          </a:p>
+          <a:p>
+            <a:r>
+              <a:rPr lang="en-US" dirty="0"/>
+              <a:t>           -   All entries in the input list have the same value.</a:t>
+            </a:r>
+          </a:p>
+          <a:p>
+            <a:r>
+              <a:rPr lang="en-US" dirty="0"/>
+              <a:t>           -  The input list is already sorted</a:t>
+            </a:r>
+          </a:p>
+          <a:p>
+            <a:endParaRPr lang="en-US" dirty="0"/>
+          </a:p>
+          <a:p>
+            <a:r>
+              <a:rPr lang="en-US" dirty="0"/>
+              <a:t> </a:t>
+            </a:r>
+          </a:p>
+        </p:txBody>
+      </p:sp>
+      <p:sp>
+        <p:nvSpPr>
+          <p:cNvPr id="9" name="TextBox 8">
+            <a:extLst>
+              <a:ext uri="{FF2B5EF4-FFF2-40B4-BE49-F238E27FC236}">
+                <a16:creationId xmlns:a16="http://schemas.microsoft.com/office/drawing/2014/main" id="{53B93A90-3D87-410C-8CAF-9F33F0416006}"/>
+              </a:ext>
+            </a:extLst>
+          </p:cNvPr>
+          <p:cNvSpPr txBox="1"/>
+          <p:nvPr/>
+        </p:nvSpPr>
+        <p:spPr>
+          <a:xfrm>
+            <a:off x="827842" y="68347"/>
+            <a:ext cx="6094520" cy="584775"/>
+          </a:xfrm>
+          <a:prstGeom prst="rect">
+            <a:avLst/>
+          </a:prstGeom>
+          <a:noFill/>
+        </p:spPr>
+        <p:txBody>
+          <a:bodyPr wrap="square">
+            <a:spAutoFit/>
+          </a:bodyPr>
+          <a:lstStyle/>
+          <a:p>
+            <a:r>
+              <a:rPr lang="en-US" sz="3200" dirty="0"/>
+              <a:t>Error Guessing </a:t>
+            </a:r>
+          </a:p>
+        </p:txBody>
+      </p:sp>
+      <p:sp>
+        <p:nvSpPr>
+          <p:cNvPr id="10" name="TextBox 9">
+            <a:extLst>
+              <a:ext uri="{FF2B5EF4-FFF2-40B4-BE49-F238E27FC236}">
+                <a16:creationId xmlns:a16="http://schemas.microsoft.com/office/drawing/2014/main" id="{E95D39E6-9AD1-47A8-8982-75BAAA07E4B2}"/>
+              </a:ext>
+            </a:extLst>
+          </p:cNvPr>
+          <p:cNvSpPr txBox="1"/>
+          <p:nvPr/>
+        </p:nvSpPr>
+        <p:spPr>
+          <a:xfrm>
+            <a:off x="2451138" y="2760955"/>
+            <a:ext cx="4471224" cy="369332"/>
+          </a:xfrm>
+          <a:prstGeom prst="rect">
+            <a:avLst/>
+          </a:prstGeom>
+          <a:solidFill>
+            <a:schemeClr val="accent1">
+              <a:lumMod val="20000"/>
+              <a:lumOff val="80000"/>
+            </a:schemeClr>
+          </a:solidFill>
+        </p:spPr>
+        <p:txBody>
+          <a:bodyPr wrap="none" rtlCol="0">
+            <a:spAutoFit/>
+          </a:bodyPr>
+          <a:lstStyle/>
+          <a:p>
+            <a:r>
+              <a:rPr lang="en-US" dirty="0"/>
+              <a:t>Enter Number of records: ________________</a:t>
+            </a:r>
+          </a:p>
+        </p:txBody>
+      </p:sp>
+      <p:sp>
+        <p:nvSpPr>
+          <p:cNvPr id="12" name="TextBox 11">
+            <a:extLst>
+              <a:ext uri="{FF2B5EF4-FFF2-40B4-BE49-F238E27FC236}">
+                <a16:creationId xmlns:a16="http://schemas.microsoft.com/office/drawing/2014/main" id="{C4DE47E3-BFB6-431A-9EA5-D5AF5372E280}"/>
+              </a:ext>
+            </a:extLst>
+          </p:cNvPr>
+          <p:cNvSpPr txBox="1"/>
+          <p:nvPr/>
+        </p:nvSpPr>
+        <p:spPr>
+          <a:xfrm>
+            <a:off x="5541885" y="4250820"/>
+            <a:ext cx="6094520" cy="646331"/>
+          </a:xfrm>
+          <a:prstGeom prst="rect">
+            <a:avLst/>
+          </a:prstGeom>
+          <a:solidFill>
+            <a:srgbClr val="FFFF00"/>
+          </a:solidFill>
+        </p:spPr>
+        <p:txBody>
+          <a:bodyPr wrap="square">
+            <a:spAutoFit/>
+          </a:bodyPr>
+          <a:lstStyle/>
+          <a:p>
+            <a:r>
+              <a:rPr lang="en-US" dirty="0"/>
+              <a:t>In other words, you enumerate those special cases that may have been overlooked when the program was designed</a:t>
+            </a:r>
+          </a:p>
+        </p:txBody>
+      </p:sp>
+    </p:spTree>
+    <p:extLst>
+      <p:ext uri="{BB962C8B-B14F-4D97-AF65-F5344CB8AC3E}">
+        <p14:creationId xmlns:p14="http://schemas.microsoft.com/office/powerpoint/2010/main" val="1610183958"/>
+      </p:ext>
+    </p:extLst>
+  </p:cSld>
+  <p:clrMapOvr>
+    <a:masterClrMapping/>
+  </p:clrMapOvr>
+</p:sld>
+</file>
+
+<file path=ppt/slides/slide42.xml><?xml version="1.0" encoding="utf-8"?>
+<p:sld xmlns:a="http://schemas.openxmlformats.org/drawingml/2006/main" xmlns:r="http://schemas.openxmlformats.org/officeDocument/2006/relationships" xmlns:p="http://schemas.openxmlformats.org/presentationml/2006/main">
+  <p:cSld>
+    <p:spTree>
+      <p:nvGrpSpPr>
+        <p:cNvPr id="1" name=""/>
+        <p:cNvGrpSpPr/>
+        <p:nvPr/>
+      </p:nvGrpSpPr>
+      <p:grpSpPr>
+        <a:xfrm>
+          <a:off x="0" y="0"/>
+          <a:ext cx="0" cy="0"/>
+          <a:chOff x="0" y="0"/>
+          <a:chExt cx="0" cy="0"/>
+        </a:xfrm>
+      </p:grpSpPr>
+      <p:sp>
+        <p:nvSpPr>
+          <p:cNvPr id="5" name="TextBox 4">
+            <a:extLst>
+              <a:ext uri="{FF2B5EF4-FFF2-40B4-BE49-F238E27FC236}">
                 <a16:creationId xmlns:a16="http://schemas.microsoft.com/office/drawing/2014/main" id="{D0016491-7B55-4FFC-8BBA-FE91D730D389}"/>
               </a:ext>
             </a:extLst>
@@ -15097,7 +17937,7 @@
 </p:sld>
 </file>
 
-<file path=ppt/slides/slide42.xml><?xml version="1.0" encoding="utf-8"?>
+<file path=ppt/slides/slide43.xml><?xml version="1.0" encoding="utf-8"?>
 <p:sld xmlns:a="http://schemas.openxmlformats.org/drawingml/2006/main" xmlns:r="http://schemas.openxmlformats.org/officeDocument/2006/relationships" xmlns:p="http://schemas.openxmlformats.org/presentationml/2006/main">
   <p:cSld>
     <p:spTree>
@@ -15654,7 +18494,7 @@
 </p:sld>
 </file>
 
-<file path=ppt/slides/slide43.xml><?xml version="1.0" encoding="utf-8"?>
+<file path=ppt/slides/slide44.xml><?xml version="1.0" encoding="utf-8"?>
 <p:sld xmlns:a="http://schemas.openxmlformats.org/drawingml/2006/main" xmlns:r="http://schemas.openxmlformats.org/officeDocument/2006/relationships" xmlns:p="http://schemas.openxmlformats.org/presentationml/2006/main">
   <p:cSld>
     <p:spTree>
@@ -15764,7 +18604,7 @@
 </p:sld>
 </file>
 
-<file path=ppt/slides/slide44.xml><?xml version="1.0" encoding="utf-8"?>
+<file path=ppt/slides/slide45.xml><?xml version="1.0" encoding="utf-8"?>
 <p:sld xmlns:a="http://schemas.openxmlformats.org/drawingml/2006/main" xmlns:r="http://schemas.openxmlformats.org/officeDocument/2006/relationships" xmlns:p="http://schemas.openxmlformats.org/presentationml/2006/main">
   <p:cSld>
     <p:spTree>
